--- a/PrésentationProjet 3.pptx
+++ b/PrésentationProjet 3.pptx
@@ -10,8 +10,9 @@
     <p:sldId id="258" r:id="rId4"/>
     <p:sldId id="259" r:id="rId5"/>
     <p:sldId id="260" r:id="rId6"/>
-    <p:sldId id="261" r:id="rId7"/>
-    <p:sldId id="262" r:id="rId8"/>
+    <p:sldId id="263" r:id="rId7"/>
+    <p:sldId id="261" r:id="rId8"/>
+    <p:sldId id="262" r:id="rId9"/>
   </p:sldIdLst>
   <p:sldSz cx="12192000" cy="6858000"/>
   <p:notesSz cx="6858000" cy="9144000"/>
@@ -110,6 +111,11 @@
       </a:defRPr>
     </a:lvl9pPr>
   </p:defaultTextStyle>
+  <p:extLst>
+    <p:ext uri="{EFAFB233-063F-42B5-8137-9DF3F51BA10A}">
+      <p15:sldGuideLst xmlns:p15="http://schemas.microsoft.com/office/powerpoint/2012/main"/>
+    </p:ext>
+  </p:extLst>
 </p:presentation>
 </file>
 
@@ -327,7 +333,7 @@
             <a:fld id="{B61BEF0D-F0BB-DE4B-95CE-6DB70DBA9567}" type="datetimeFigureOut">
               <a:rPr lang="en-US" dirty="0"/>
               <a:pPr/>
-              <a:t>11/25/21</a:t>
+              <a:t>11/26/21</a:t>
             </a:fld>
             <a:endParaRPr lang="en-US" dirty="0"/>
           </a:p>
@@ -615,7 +621,7 @@
             <a:fld id="{B61BEF0D-F0BB-DE4B-95CE-6DB70DBA9567}" type="datetimeFigureOut">
               <a:rPr lang="en-US" dirty="0"/>
               <a:pPr/>
-              <a:t>11/25/21</a:t>
+              <a:t>11/26/21</a:t>
             </a:fld>
             <a:endParaRPr lang="en-US" dirty="0"/>
           </a:p>
@@ -871,7 +877,7 @@
             <a:fld id="{B61BEF0D-F0BB-DE4B-95CE-6DB70DBA9567}" type="datetimeFigureOut">
               <a:rPr lang="en-US" dirty="0"/>
               <a:pPr/>
-              <a:t>11/25/21</a:t>
+              <a:t>11/26/21</a:t>
             </a:fld>
             <a:endParaRPr lang="en-US" dirty="0"/>
           </a:p>
@@ -1337,7 +1343,7 @@
             <a:fld id="{B61BEF0D-F0BB-DE4B-95CE-6DB70DBA9567}" type="datetimeFigureOut">
               <a:rPr lang="en-US" dirty="0"/>
               <a:pPr/>
-              <a:t>11/25/21</a:t>
+              <a:t>11/26/21</a:t>
             </a:fld>
             <a:endParaRPr lang="en-US" dirty="0"/>
           </a:p>
@@ -1514,7 +1520,7 @@
             <a:fld id="{B61BEF0D-F0BB-DE4B-95CE-6DB70DBA9567}" type="datetimeFigureOut">
               <a:rPr lang="en-US" dirty="0"/>
               <a:pPr/>
-              <a:t>11/25/21</a:t>
+              <a:t>11/26/21</a:t>
             </a:fld>
             <a:endParaRPr lang="en-US" dirty="0"/>
           </a:p>
@@ -2087,7 +2093,7 @@
             <a:fld id="{B61BEF0D-F0BB-DE4B-95CE-6DB70DBA9567}" type="datetimeFigureOut">
               <a:rPr lang="en-US" dirty="0"/>
               <a:pPr/>
-              <a:t>11/25/21</a:t>
+              <a:t>11/26/21</a:t>
             </a:fld>
             <a:endParaRPr lang="en-US" dirty="0"/>
           </a:p>
@@ -2416,7 +2422,7 @@
             <a:fld id="{B61BEF0D-F0BB-DE4B-95CE-6DB70DBA9567}" type="datetimeFigureOut">
               <a:rPr lang="en-US" dirty="0"/>
               <a:pPr/>
-              <a:t>11/25/21</a:t>
+              <a:t>11/26/21</a:t>
             </a:fld>
             <a:endParaRPr lang="en-US" dirty="0"/>
           </a:p>
@@ -2588,7 +2594,7 @@
             <a:fld id="{B61BEF0D-F0BB-DE4B-95CE-6DB70DBA9567}" type="datetimeFigureOut">
               <a:rPr lang="en-US" dirty="0"/>
               <a:pPr/>
-              <a:t>11/25/21</a:t>
+              <a:t>11/26/21</a:t>
             </a:fld>
             <a:endParaRPr lang="en-US" dirty="0"/>
           </a:p>
@@ -2765,7 +2771,7 @@
             <a:fld id="{B61BEF0D-F0BB-DE4B-95CE-6DB70DBA9567}" type="datetimeFigureOut">
               <a:rPr lang="en-US" dirty="0"/>
               <a:pPr/>
-              <a:t>11/25/21</a:t>
+              <a:t>11/26/21</a:t>
             </a:fld>
             <a:endParaRPr lang="en-US" dirty="0"/>
           </a:p>
@@ -2932,7 +2938,7 @@
             <a:fld id="{B61BEF0D-F0BB-DE4B-95CE-6DB70DBA9567}" type="datetimeFigureOut">
               <a:rPr lang="en-US" dirty="0"/>
               <a:pPr/>
-              <a:t>11/25/21</a:t>
+              <a:t>11/26/21</a:t>
             </a:fld>
             <a:endParaRPr lang="en-US" dirty="0"/>
           </a:p>
@@ -3186,7 +3192,7 @@
             <a:fld id="{B61BEF0D-F0BB-DE4B-95CE-6DB70DBA9567}" type="datetimeFigureOut">
               <a:rPr lang="en-US" dirty="0"/>
               <a:pPr/>
-              <a:t>11/25/21</a:t>
+              <a:t>11/26/21</a:t>
             </a:fld>
             <a:endParaRPr lang="en-US" dirty="0"/>
           </a:p>
@@ -3475,7 +3481,7 @@
             <a:fld id="{B61BEF0D-F0BB-DE4B-95CE-6DB70DBA9567}" type="datetimeFigureOut">
               <a:rPr lang="en-US" dirty="0"/>
               <a:pPr/>
-              <a:t>11/25/21</a:t>
+              <a:t>11/26/21</a:t>
             </a:fld>
             <a:endParaRPr lang="en-US" dirty="0"/>
           </a:p>
@@ -3902,7 +3908,7 @@
             <a:fld id="{B61BEF0D-F0BB-DE4B-95CE-6DB70DBA9567}" type="datetimeFigureOut">
               <a:rPr lang="en-US" dirty="0"/>
               <a:pPr/>
-              <a:t>11/25/21</a:t>
+              <a:t>11/26/21</a:t>
             </a:fld>
             <a:endParaRPr lang="en-US" dirty="0"/>
           </a:p>
@@ -4017,7 +4023,7 @@
             <a:fld id="{B61BEF0D-F0BB-DE4B-95CE-6DB70DBA9567}" type="datetimeFigureOut">
               <a:rPr lang="en-US" dirty="0"/>
               <a:pPr/>
-              <a:t>11/25/21</a:t>
+              <a:t>11/26/21</a:t>
             </a:fld>
             <a:endParaRPr lang="en-US" dirty="0"/>
           </a:p>
@@ -4109,7 +4115,7 @@
             <a:fld id="{B61BEF0D-F0BB-DE4B-95CE-6DB70DBA9567}" type="datetimeFigureOut">
               <a:rPr lang="en-US" dirty="0"/>
               <a:pPr/>
-              <a:t>11/25/21</a:t>
+              <a:t>11/26/21</a:t>
             </a:fld>
             <a:endParaRPr lang="en-US" dirty="0"/>
           </a:p>
@@ -4389,7 +4395,7 @@
             <a:fld id="{B61BEF0D-F0BB-DE4B-95CE-6DB70DBA9567}" type="datetimeFigureOut">
               <a:rPr lang="en-US" dirty="0"/>
               <a:pPr/>
-              <a:t>11/25/21</a:t>
+              <a:t>11/26/21</a:t>
             </a:fld>
             <a:endParaRPr lang="en-US" dirty="0"/>
           </a:p>
@@ -4677,7 +4683,7 @@
             <a:fld id="{B61BEF0D-F0BB-DE4B-95CE-6DB70DBA9567}" type="datetimeFigureOut">
               <a:rPr lang="en-US" dirty="0"/>
               <a:pPr/>
-              <a:t>11/25/21</a:t>
+              <a:t>11/26/21</a:t>
             </a:fld>
             <a:endParaRPr lang="en-US" dirty="0"/>
           </a:p>
@@ -4905,7 +4911,7 @@
             <a:fld id="{B61BEF0D-F0BB-DE4B-95CE-6DB70DBA9567}" type="datetimeFigureOut">
               <a:rPr lang="en-US" dirty="0"/>
               <a:pPr/>
-              <a:t>11/25/21</a:t>
+              <a:t>11/26/21</a:t>
             </a:fld>
             <a:endParaRPr lang="en-US" dirty="0"/>
           </a:p>
@@ -5926,7 +5932,12 @@
             <p:ph type="title"/>
           </p:nvPr>
         </p:nvSpPr>
-        <p:spPr/>
+        <p:spPr>
+          <a:xfrm>
+            <a:off x="1141413" y="609600"/>
+            <a:ext cx="9905998" cy="5181600"/>
+          </a:xfrm>
+        </p:spPr>
         <p:txBody>
           <a:bodyPr/>
           <a:lstStyle/>
@@ -6237,33 +6248,173 @@
                 <a:latin typeface="Shrikhand" panose="02000000000000000000" pitchFamily="2" charset="77"/>
                 <a:cs typeface="Shrikhand" panose="02000000000000000000" pitchFamily="2" charset="77"/>
               </a:rPr>
-              <a:t>Présentation Validateur w3c</a:t>
-            </a:r>
-          </a:p>
-        </p:txBody>
-      </p:sp>
-      <p:sp>
-        <p:nvSpPr>
-          <p:cNvPr id="3" name="Espace réservé du contenu 2">
+              <a:t>Présentation Validateur w3c :  html</a:t>
+            </a:r>
+          </a:p>
+        </p:txBody>
+      </p:sp>
+      <p:pic>
+        <p:nvPicPr>
+          <p:cNvPr id="5" name="Espace réservé du contenu 4">
             <a:extLst>
               <a:ext uri="{FF2B5EF4-FFF2-40B4-BE49-F238E27FC236}">
-                <a16:creationId xmlns:a16="http://schemas.microsoft.com/office/drawing/2014/main" id="{F3390F04-CE4B-7245-8DCD-9EDD0FC44386}"/>
+                <a16:creationId xmlns:a16="http://schemas.microsoft.com/office/drawing/2014/main" id="{92637D6C-A1E4-7443-B268-F5ABEAF238AE}"/>
               </a:ext>
             </a:extLst>
           </p:cNvPr>
-          <p:cNvSpPr>
-            <a:spLocks noGrp="1"/>
-          </p:cNvSpPr>
+          <p:cNvPicPr>
+            <a:picLocks noGrp="1" noChangeAspect="1"/>
+          </p:cNvPicPr>
           <p:nvPr>
             <p:ph idx="1"/>
           </p:nvPr>
-        </p:nvSpPr>
-        <p:spPr/>
-        <p:txBody>
-          <a:bodyPr/>
-          <a:lstStyle/>
-          <a:p>
-            <a:endParaRPr lang="fr-FR"/>
+        </p:nvPicPr>
+        <p:blipFill>
+          <a:blip r:embed="rId2"/>
+          <a:stretch>
+            <a:fillRect/>
+          </a:stretch>
+        </p:blipFill>
+        <p:spPr>
+          <a:xfrm>
+            <a:off x="527316" y="2781301"/>
+            <a:ext cx="4778780" cy="3124200"/>
+          </a:xfrm>
+        </p:spPr>
+      </p:pic>
+      <p:pic>
+        <p:nvPicPr>
+          <p:cNvPr id="7" name="Image 6">
+            <a:extLst>
+              <a:ext uri="{FF2B5EF4-FFF2-40B4-BE49-F238E27FC236}">
+                <a16:creationId xmlns:a16="http://schemas.microsoft.com/office/drawing/2014/main" id="{E6C32BEF-D23B-7043-9D60-994EAABE1CC6}"/>
+              </a:ext>
+            </a:extLst>
+          </p:cNvPr>
+          <p:cNvPicPr>
+            <a:picLocks noChangeAspect="1"/>
+          </p:cNvPicPr>
+          <p:nvPr/>
+        </p:nvPicPr>
+        <p:blipFill>
+          <a:blip r:embed="rId3"/>
+          <a:stretch>
+            <a:fillRect/>
+          </a:stretch>
+        </p:blipFill>
+        <p:spPr>
+          <a:xfrm>
+            <a:off x="7147774" y="2781301"/>
+            <a:ext cx="4881094" cy="3124200"/>
+          </a:xfrm>
+          <a:prstGeom prst="rect">
+            <a:avLst/>
+          </a:prstGeom>
+        </p:spPr>
+      </p:pic>
+      <p:sp>
+        <p:nvSpPr>
+          <p:cNvPr id="9" name="ZoneTexte 8">
+            <a:extLst>
+              <a:ext uri="{FF2B5EF4-FFF2-40B4-BE49-F238E27FC236}">
+                <a16:creationId xmlns:a16="http://schemas.microsoft.com/office/drawing/2014/main" id="{35603B53-50A0-8949-AF19-9976973E2609}"/>
+              </a:ext>
+            </a:extLst>
+          </p:cNvPr>
+          <p:cNvSpPr txBox="1"/>
+          <p:nvPr/>
+        </p:nvSpPr>
+        <p:spPr>
+          <a:xfrm>
+            <a:off x="1416676" y="6233375"/>
+            <a:ext cx="3400023" cy="369332"/>
+          </a:xfrm>
+          <a:prstGeom prst="rect">
+            <a:avLst/>
+          </a:prstGeom>
+          <a:noFill/>
+        </p:spPr>
+        <p:txBody>
+          <a:bodyPr wrap="square" rtlCol="0">
+            <a:spAutoFit/>
+          </a:bodyPr>
+          <a:lstStyle/>
+          <a:p>
+            <a:r>
+              <a:rPr lang="fr-FR" dirty="0" err="1">
+                <a:solidFill>
+                  <a:srgbClr val="9356DC"/>
+                </a:solidFill>
+                <a:latin typeface="Roboto Black" panose="02000000000000000000" pitchFamily="2" charset="0"/>
+                <a:ea typeface="Roboto Black" panose="02000000000000000000" pitchFamily="2" charset="0"/>
+              </a:rPr>
+              <a:t>Index.html</a:t>
+            </a:r>
+            <a:endParaRPr lang="fr-FR" dirty="0">
+              <a:solidFill>
+                <a:srgbClr val="9356DC"/>
+              </a:solidFill>
+              <a:latin typeface="Roboto Black" panose="02000000000000000000" pitchFamily="2" charset="0"/>
+              <a:ea typeface="Roboto Black" panose="02000000000000000000" pitchFamily="2" charset="0"/>
+            </a:endParaRPr>
+          </a:p>
+        </p:txBody>
+      </p:sp>
+      <p:sp>
+        <p:nvSpPr>
+          <p:cNvPr id="10" name="ZoneTexte 9">
+            <a:extLst>
+              <a:ext uri="{FF2B5EF4-FFF2-40B4-BE49-F238E27FC236}">
+                <a16:creationId xmlns:a16="http://schemas.microsoft.com/office/drawing/2014/main" id="{D7F53003-5173-4646-B157-E75853B93AA1}"/>
+              </a:ext>
+            </a:extLst>
+          </p:cNvPr>
+          <p:cNvSpPr txBox="1"/>
+          <p:nvPr/>
+        </p:nvSpPr>
+        <p:spPr>
+          <a:xfrm>
+            <a:off x="8456611" y="6172202"/>
+            <a:ext cx="2590800" cy="369332"/>
+          </a:xfrm>
+          <a:prstGeom prst="rect">
+            <a:avLst/>
+          </a:prstGeom>
+          <a:noFill/>
+        </p:spPr>
+        <p:txBody>
+          <a:bodyPr wrap="square" rtlCol="0">
+            <a:spAutoFit/>
+          </a:bodyPr>
+          <a:lstStyle/>
+          <a:p>
+            <a:r>
+              <a:rPr lang="fr-FR" dirty="0">
+                <a:solidFill>
+                  <a:srgbClr val="9356DC"/>
+                </a:solidFill>
+                <a:latin typeface="Roboto Black" panose="02000000000000000000" pitchFamily="2" charset="0"/>
+                <a:ea typeface="Roboto Black" panose="02000000000000000000" pitchFamily="2" charset="0"/>
+              </a:rPr>
+              <a:t>A-la-</a:t>
+            </a:r>
+            <a:r>
+              <a:rPr lang="fr-FR" dirty="0" err="1">
+                <a:solidFill>
+                  <a:srgbClr val="9356DC"/>
+                </a:solidFill>
+                <a:latin typeface="Roboto Black" panose="02000000000000000000" pitchFamily="2" charset="0"/>
+                <a:ea typeface="Roboto Black" panose="02000000000000000000" pitchFamily="2" charset="0"/>
+              </a:rPr>
+              <a:t>francaise.html</a:t>
+            </a:r>
+            <a:endParaRPr lang="fr-FR" dirty="0">
+              <a:solidFill>
+                <a:srgbClr val="9356DC"/>
+              </a:solidFill>
+              <a:latin typeface="Roboto Black" panose="02000000000000000000" pitchFamily="2" charset="0"/>
+              <a:ea typeface="Roboto Black" panose="02000000000000000000" pitchFamily="2" charset="0"/>
+            </a:endParaRPr>
           </a:p>
         </p:txBody>
       </p:sp>
@@ -6302,6 +6453,353 @@
           <p:cNvPr id="2" name="Titre 1">
             <a:extLst>
               <a:ext uri="{FF2B5EF4-FFF2-40B4-BE49-F238E27FC236}">
+                <a16:creationId xmlns:a16="http://schemas.microsoft.com/office/drawing/2014/main" id="{F8BFA733-556E-B645-A948-3FB9686E1EBE}"/>
+              </a:ext>
+            </a:extLst>
+          </p:cNvPr>
+          <p:cNvSpPr>
+            <a:spLocks noGrp="1"/>
+          </p:cNvSpPr>
+          <p:nvPr>
+            <p:ph type="title"/>
+          </p:nvPr>
+        </p:nvSpPr>
+        <p:spPr/>
+        <p:txBody>
+          <a:bodyPr/>
+          <a:lstStyle/>
+          <a:p>
+            <a:r>
+              <a:rPr lang="fr-FR" dirty="0">
+                <a:solidFill>
+                  <a:srgbClr val="FF79DA"/>
+                </a:solidFill>
+                <a:latin typeface="Shrikhand" panose="02000000000000000000" pitchFamily="2" charset="77"/>
+                <a:cs typeface="Shrikhand" panose="02000000000000000000" pitchFamily="2" charset="77"/>
+              </a:rPr>
+              <a:t>Présentation Validateur w3c : html</a:t>
+            </a:r>
+            <a:br>
+              <a:rPr lang="fr-FR" dirty="0">
+                <a:solidFill>
+                  <a:srgbClr val="FF79DA"/>
+                </a:solidFill>
+                <a:latin typeface="Shrikhand" panose="02000000000000000000" pitchFamily="2" charset="77"/>
+                <a:cs typeface="Shrikhand" panose="02000000000000000000" pitchFamily="2" charset="77"/>
+              </a:rPr>
+            </a:br>
+            <a:endParaRPr lang="fr-FR" dirty="0"/>
+          </a:p>
+        </p:txBody>
+      </p:sp>
+      <p:pic>
+        <p:nvPicPr>
+          <p:cNvPr id="17" name="Espace réservé du contenu 16">
+            <a:extLst>
+              <a:ext uri="{FF2B5EF4-FFF2-40B4-BE49-F238E27FC236}">
+                <a16:creationId xmlns:a16="http://schemas.microsoft.com/office/drawing/2014/main" id="{D4D31BC7-3084-E743-9B70-00062F279C0A}"/>
+              </a:ext>
+            </a:extLst>
+          </p:cNvPr>
+          <p:cNvPicPr>
+            <a:picLocks noGrp="1" noChangeAspect="1"/>
+          </p:cNvPicPr>
+          <p:nvPr>
+            <p:ph idx="1"/>
+          </p:nvPr>
+        </p:nvPicPr>
+        <p:blipFill>
+          <a:blip r:embed="rId2"/>
+          <a:stretch>
+            <a:fillRect/>
+          </a:stretch>
+        </p:blipFill>
+        <p:spPr>
+          <a:xfrm>
+            <a:off x="0" y="2514600"/>
+            <a:ext cx="3606804" cy="3124200"/>
+          </a:xfrm>
+        </p:spPr>
+      </p:pic>
+      <p:pic>
+        <p:nvPicPr>
+          <p:cNvPr id="19" name="Image 18">
+            <a:extLst>
+              <a:ext uri="{FF2B5EF4-FFF2-40B4-BE49-F238E27FC236}">
+                <a16:creationId xmlns:a16="http://schemas.microsoft.com/office/drawing/2014/main" id="{E4541DC5-E5CB-934C-9863-25FE084F6AA2}"/>
+              </a:ext>
+            </a:extLst>
+          </p:cNvPr>
+          <p:cNvPicPr>
+            <a:picLocks noChangeAspect="1"/>
+          </p:cNvPicPr>
+          <p:nvPr/>
+        </p:nvPicPr>
+        <p:blipFill>
+          <a:blip r:embed="rId3"/>
+          <a:stretch>
+            <a:fillRect/>
+          </a:stretch>
+        </p:blipFill>
+        <p:spPr>
+          <a:xfrm>
+            <a:off x="4127679" y="2514600"/>
+            <a:ext cx="3606804" cy="3124200"/>
+          </a:xfrm>
+          <a:prstGeom prst="rect">
+            <a:avLst/>
+          </a:prstGeom>
+        </p:spPr>
+      </p:pic>
+      <p:pic>
+        <p:nvPicPr>
+          <p:cNvPr id="21" name="Image 20">
+            <a:extLst>
+              <a:ext uri="{FF2B5EF4-FFF2-40B4-BE49-F238E27FC236}">
+                <a16:creationId xmlns:a16="http://schemas.microsoft.com/office/drawing/2014/main" id="{07F6D67A-37C4-524D-A461-696E668395D9}"/>
+              </a:ext>
+            </a:extLst>
+          </p:cNvPr>
+          <p:cNvPicPr>
+            <a:picLocks noChangeAspect="1"/>
+          </p:cNvPicPr>
+          <p:nvPr/>
+        </p:nvPicPr>
+        <p:blipFill>
+          <a:blip r:embed="rId4"/>
+          <a:stretch>
+            <a:fillRect/>
+          </a:stretch>
+        </p:blipFill>
+        <p:spPr>
+          <a:xfrm>
+            <a:off x="8255358" y="2514600"/>
+            <a:ext cx="3936641" cy="3124200"/>
+          </a:xfrm>
+          <a:prstGeom prst="rect">
+            <a:avLst/>
+          </a:prstGeom>
+        </p:spPr>
+      </p:pic>
+      <p:sp>
+        <p:nvSpPr>
+          <p:cNvPr id="22" name="ZoneTexte 21">
+            <a:extLst>
+              <a:ext uri="{FF2B5EF4-FFF2-40B4-BE49-F238E27FC236}">
+                <a16:creationId xmlns:a16="http://schemas.microsoft.com/office/drawing/2014/main" id="{4431DD18-0589-6143-8EC5-587488B38C3F}"/>
+              </a:ext>
+            </a:extLst>
+          </p:cNvPr>
+          <p:cNvSpPr txBox="1"/>
+          <p:nvPr/>
+        </p:nvSpPr>
+        <p:spPr>
+          <a:xfrm>
+            <a:off x="293256" y="6063734"/>
+            <a:ext cx="3020291" cy="369332"/>
+          </a:xfrm>
+          <a:prstGeom prst="rect">
+            <a:avLst/>
+          </a:prstGeom>
+          <a:noFill/>
+        </p:spPr>
+        <p:txBody>
+          <a:bodyPr wrap="square" rtlCol="0">
+            <a:spAutoFit/>
+          </a:bodyPr>
+          <a:lstStyle/>
+          <a:p>
+            <a:r>
+              <a:rPr lang="fr-FR" dirty="0">
+                <a:solidFill>
+                  <a:srgbClr val="9356DC"/>
+                </a:solidFill>
+                <a:latin typeface="Roboto Black" panose="02000000000000000000" pitchFamily="2" charset="0"/>
+                <a:ea typeface="Roboto Black" panose="02000000000000000000" pitchFamily="2" charset="0"/>
+              </a:rPr>
+              <a:t>La-note-</a:t>
+            </a:r>
+            <a:r>
+              <a:rPr lang="fr-FR" dirty="0" err="1">
+                <a:solidFill>
+                  <a:srgbClr val="9356DC"/>
+                </a:solidFill>
+                <a:latin typeface="Roboto Black" panose="02000000000000000000" pitchFamily="2" charset="0"/>
+                <a:ea typeface="Roboto Black" panose="02000000000000000000" pitchFamily="2" charset="0"/>
+              </a:rPr>
+              <a:t>enchantee.html</a:t>
+            </a:r>
+            <a:endParaRPr lang="fr-FR" dirty="0">
+              <a:solidFill>
+                <a:srgbClr val="9356DC"/>
+              </a:solidFill>
+              <a:latin typeface="Roboto Black" panose="02000000000000000000" pitchFamily="2" charset="0"/>
+              <a:ea typeface="Roboto Black" panose="02000000000000000000" pitchFamily="2" charset="0"/>
+            </a:endParaRPr>
+          </a:p>
+        </p:txBody>
+      </p:sp>
+      <p:sp>
+        <p:nvSpPr>
+          <p:cNvPr id="23" name="ZoneTexte 22">
+            <a:extLst>
+              <a:ext uri="{FF2B5EF4-FFF2-40B4-BE49-F238E27FC236}">
+                <a16:creationId xmlns:a16="http://schemas.microsoft.com/office/drawing/2014/main" id="{5A5A9BC7-683A-2840-A060-5E002B62EA42}"/>
+              </a:ext>
+            </a:extLst>
+          </p:cNvPr>
+          <p:cNvSpPr txBox="1"/>
+          <p:nvPr/>
+        </p:nvSpPr>
+        <p:spPr>
+          <a:xfrm>
+            <a:off x="4308763" y="6063734"/>
+            <a:ext cx="3228109" cy="369332"/>
+          </a:xfrm>
+          <a:prstGeom prst="rect">
+            <a:avLst/>
+          </a:prstGeom>
+          <a:noFill/>
+        </p:spPr>
+        <p:txBody>
+          <a:bodyPr wrap="square" rtlCol="0">
+            <a:spAutoFit/>
+          </a:bodyPr>
+          <a:lstStyle/>
+          <a:p>
+            <a:r>
+              <a:rPr lang="fr-FR" dirty="0">
+                <a:solidFill>
+                  <a:srgbClr val="9356DC"/>
+                </a:solidFill>
+                <a:latin typeface="Roboto Black" panose="02000000000000000000" pitchFamily="2" charset="0"/>
+                <a:ea typeface="Roboto Black" panose="02000000000000000000" pitchFamily="2" charset="0"/>
+              </a:rPr>
+              <a:t>Le-</a:t>
+            </a:r>
+            <a:r>
+              <a:rPr lang="fr-FR" dirty="0" err="1">
+                <a:solidFill>
+                  <a:srgbClr val="9356DC"/>
+                </a:solidFill>
+                <a:latin typeface="Roboto Black" panose="02000000000000000000" pitchFamily="2" charset="0"/>
+                <a:ea typeface="Roboto Black" panose="02000000000000000000" pitchFamily="2" charset="0"/>
+              </a:rPr>
+              <a:t>delice</a:t>
+            </a:r>
+            <a:r>
+              <a:rPr lang="fr-FR" dirty="0">
+                <a:solidFill>
+                  <a:srgbClr val="9356DC"/>
+                </a:solidFill>
+                <a:latin typeface="Roboto Black" panose="02000000000000000000" pitchFamily="2" charset="0"/>
+                <a:ea typeface="Roboto Black" panose="02000000000000000000" pitchFamily="2" charset="0"/>
+              </a:rPr>
+              <a:t>-</a:t>
+            </a:r>
+            <a:r>
+              <a:rPr lang="fr-FR" dirty="0" err="1">
+                <a:solidFill>
+                  <a:srgbClr val="9356DC"/>
+                </a:solidFill>
+                <a:latin typeface="Roboto Black" panose="02000000000000000000" pitchFamily="2" charset="0"/>
+                <a:ea typeface="Roboto Black" panose="02000000000000000000" pitchFamily="2" charset="0"/>
+              </a:rPr>
+              <a:t>des-sens.html</a:t>
+            </a:r>
+            <a:endParaRPr lang="fr-FR" dirty="0">
+              <a:solidFill>
+                <a:srgbClr val="9356DC"/>
+              </a:solidFill>
+              <a:latin typeface="Roboto Black" panose="02000000000000000000" pitchFamily="2" charset="0"/>
+              <a:ea typeface="Roboto Black" panose="02000000000000000000" pitchFamily="2" charset="0"/>
+            </a:endParaRPr>
+          </a:p>
+        </p:txBody>
+      </p:sp>
+      <p:sp>
+        <p:nvSpPr>
+          <p:cNvPr id="24" name="ZoneTexte 23">
+            <a:extLst>
+              <a:ext uri="{FF2B5EF4-FFF2-40B4-BE49-F238E27FC236}">
+                <a16:creationId xmlns:a16="http://schemas.microsoft.com/office/drawing/2014/main" id="{C4F7F476-C019-F643-A96E-92D3F34706F3}"/>
+              </a:ext>
+            </a:extLst>
+          </p:cNvPr>
+          <p:cNvSpPr txBox="1"/>
+          <p:nvPr/>
+        </p:nvSpPr>
+        <p:spPr>
+          <a:xfrm>
+            <a:off x="8626761" y="6063734"/>
+            <a:ext cx="3094184" cy="369332"/>
+          </a:xfrm>
+          <a:prstGeom prst="rect">
+            <a:avLst/>
+          </a:prstGeom>
+          <a:noFill/>
+        </p:spPr>
+        <p:txBody>
+          <a:bodyPr wrap="square" rtlCol="0">
+            <a:spAutoFit/>
+          </a:bodyPr>
+          <a:lstStyle/>
+          <a:p>
+            <a:r>
+              <a:rPr lang="fr-FR" dirty="0" err="1">
+                <a:solidFill>
+                  <a:srgbClr val="9356DC"/>
+                </a:solidFill>
+                <a:latin typeface="Roboto Black" panose="02000000000000000000" pitchFamily="2" charset="0"/>
+                <a:ea typeface="Roboto Black" panose="02000000000000000000" pitchFamily="2" charset="0"/>
+              </a:rPr>
+              <a:t>La-palette-du-gout.html</a:t>
+            </a:r>
+            <a:endParaRPr lang="fr-FR" dirty="0">
+              <a:solidFill>
+                <a:srgbClr val="9356DC"/>
+              </a:solidFill>
+              <a:latin typeface="Roboto Black" panose="02000000000000000000" pitchFamily="2" charset="0"/>
+              <a:ea typeface="Roboto Black" panose="02000000000000000000" pitchFamily="2" charset="0"/>
+            </a:endParaRPr>
+          </a:p>
+        </p:txBody>
+      </p:sp>
+    </p:spTree>
+    <p:extLst>
+      <p:ext uri="{BB962C8B-B14F-4D97-AF65-F5344CB8AC3E}">
+        <p14:creationId xmlns:p14="http://schemas.microsoft.com/office/powerpoint/2010/main" val="1157765363"/>
+      </p:ext>
+    </p:extLst>
+  </p:cSld>
+  <p:clrMapOvr>
+    <a:masterClrMapping/>
+  </p:clrMapOvr>
+</p:sld>
+</file>
+
+<file path=ppt/slides/slide7.xml><?xml version="1.0" encoding="utf-8"?>
+<p:sld xmlns:a="http://schemas.openxmlformats.org/drawingml/2006/main" xmlns:r="http://schemas.openxmlformats.org/officeDocument/2006/relationships" xmlns:p="http://schemas.openxmlformats.org/presentationml/2006/main">
+  <p:cSld>
+    <p:spTree>
+      <p:nvGrpSpPr>
+        <p:cNvPr id="1" name=""/>
+        <p:cNvGrpSpPr/>
+        <p:nvPr/>
+      </p:nvGrpSpPr>
+      <p:grpSpPr>
+        <a:xfrm>
+          <a:off x="0" y="0"/>
+          <a:ext cx="0" cy="0"/>
+          <a:chOff x="0" y="0"/>
+          <a:chExt cx="0" cy="0"/>
+        </a:xfrm>
+      </p:grpSpPr>
+      <p:sp>
+        <p:nvSpPr>
+          <p:cNvPr id="2" name="Titre 1">
+            <a:extLst>
+              <a:ext uri="{FF2B5EF4-FFF2-40B4-BE49-F238E27FC236}">
                 <a16:creationId xmlns:a16="http://schemas.microsoft.com/office/drawing/2014/main" id="{AF4314F3-7E0E-484A-86F3-C993E58634E9}"/>
               </a:ext>
             </a:extLst>
@@ -6326,7 +6824,7 @@
                 <a:latin typeface="Shrikhand" panose="02000000000000000000" pitchFamily="2" charset="77"/>
                 <a:cs typeface="Shrikhand" panose="02000000000000000000" pitchFamily="2" charset="77"/>
               </a:rPr>
-              <a:t>Présentation Validateur w3c</a:t>
+              <a:t>Présentation Validateur w3c : CSS</a:t>
             </a:r>
             <a:endParaRPr lang="fr-FR" dirty="0">
               <a:solidFill>
@@ -6374,7 +6872,7 @@
 </p:sld>
 </file>
 
-<file path=ppt/slides/slide7.xml><?xml version="1.0" encoding="utf-8"?>
+<file path=ppt/slides/slide8.xml><?xml version="1.0" encoding="utf-8"?>
 <p:sld xmlns:a="http://schemas.openxmlformats.org/drawingml/2006/main" xmlns:r="http://schemas.openxmlformats.org/officeDocument/2006/relationships" xmlns:p="http://schemas.openxmlformats.org/presentationml/2006/main">
   <p:cSld>
     <p:spTree>

--- a/PrésentationProjet 3.pptx
+++ b/PrésentationProjet 3.pptx
@@ -7,12 +7,13 @@
   <p:sldIdLst>
     <p:sldId id="256" r:id="rId2"/>
     <p:sldId id="257" r:id="rId3"/>
-    <p:sldId id="258" r:id="rId4"/>
-    <p:sldId id="259" r:id="rId5"/>
-    <p:sldId id="260" r:id="rId6"/>
-    <p:sldId id="263" r:id="rId7"/>
-    <p:sldId id="261" r:id="rId8"/>
-    <p:sldId id="262" r:id="rId9"/>
+    <p:sldId id="264" r:id="rId4"/>
+    <p:sldId id="258" r:id="rId5"/>
+    <p:sldId id="259" r:id="rId6"/>
+    <p:sldId id="260" r:id="rId7"/>
+    <p:sldId id="263" r:id="rId8"/>
+    <p:sldId id="261" r:id="rId9"/>
+    <p:sldId id="262" r:id="rId10"/>
   </p:sldIdLst>
   <p:sldSz cx="12192000" cy="6858000"/>
   <p:notesSz cx="6858000" cy="9144000"/>
@@ -333,7 +334,7 @@
             <a:fld id="{B61BEF0D-F0BB-DE4B-95CE-6DB70DBA9567}" type="datetimeFigureOut">
               <a:rPr lang="en-US" dirty="0"/>
               <a:pPr/>
-              <a:t>11/26/21</a:t>
+              <a:t>11/28/21</a:t>
             </a:fld>
             <a:endParaRPr lang="en-US" dirty="0"/>
           </a:p>
@@ -621,7 +622,7 @@
             <a:fld id="{B61BEF0D-F0BB-DE4B-95CE-6DB70DBA9567}" type="datetimeFigureOut">
               <a:rPr lang="en-US" dirty="0"/>
               <a:pPr/>
-              <a:t>11/26/21</a:t>
+              <a:t>11/28/21</a:t>
             </a:fld>
             <a:endParaRPr lang="en-US" dirty="0"/>
           </a:p>
@@ -877,7 +878,7 @@
             <a:fld id="{B61BEF0D-F0BB-DE4B-95CE-6DB70DBA9567}" type="datetimeFigureOut">
               <a:rPr lang="en-US" dirty="0"/>
               <a:pPr/>
-              <a:t>11/26/21</a:t>
+              <a:t>11/28/21</a:t>
             </a:fld>
             <a:endParaRPr lang="en-US" dirty="0"/>
           </a:p>
@@ -1343,7 +1344,7 @@
             <a:fld id="{B61BEF0D-F0BB-DE4B-95CE-6DB70DBA9567}" type="datetimeFigureOut">
               <a:rPr lang="en-US" dirty="0"/>
               <a:pPr/>
-              <a:t>11/26/21</a:t>
+              <a:t>11/28/21</a:t>
             </a:fld>
             <a:endParaRPr lang="en-US" dirty="0"/>
           </a:p>
@@ -1520,7 +1521,7 @@
             <a:fld id="{B61BEF0D-F0BB-DE4B-95CE-6DB70DBA9567}" type="datetimeFigureOut">
               <a:rPr lang="en-US" dirty="0"/>
               <a:pPr/>
-              <a:t>11/26/21</a:t>
+              <a:t>11/28/21</a:t>
             </a:fld>
             <a:endParaRPr lang="en-US" dirty="0"/>
           </a:p>
@@ -2093,7 +2094,7 @@
             <a:fld id="{B61BEF0D-F0BB-DE4B-95CE-6DB70DBA9567}" type="datetimeFigureOut">
               <a:rPr lang="en-US" dirty="0"/>
               <a:pPr/>
-              <a:t>11/26/21</a:t>
+              <a:t>11/28/21</a:t>
             </a:fld>
             <a:endParaRPr lang="en-US" dirty="0"/>
           </a:p>
@@ -2422,7 +2423,7 @@
             <a:fld id="{B61BEF0D-F0BB-DE4B-95CE-6DB70DBA9567}" type="datetimeFigureOut">
               <a:rPr lang="en-US" dirty="0"/>
               <a:pPr/>
-              <a:t>11/26/21</a:t>
+              <a:t>11/28/21</a:t>
             </a:fld>
             <a:endParaRPr lang="en-US" dirty="0"/>
           </a:p>
@@ -2594,7 +2595,7 @@
             <a:fld id="{B61BEF0D-F0BB-DE4B-95CE-6DB70DBA9567}" type="datetimeFigureOut">
               <a:rPr lang="en-US" dirty="0"/>
               <a:pPr/>
-              <a:t>11/26/21</a:t>
+              <a:t>11/28/21</a:t>
             </a:fld>
             <a:endParaRPr lang="en-US" dirty="0"/>
           </a:p>
@@ -2771,7 +2772,7 @@
             <a:fld id="{B61BEF0D-F0BB-DE4B-95CE-6DB70DBA9567}" type="datetimeFigureOut">
               <a:rPr lang="en-US" dirty="0"/>
               <a:pPr/>
-              <a:t>11/26/21</a:t>
+              <a:t>11/28/21</a:t>
             </a:fld>
             <a:endParaRPr lang="en-US" dirty="0"/>
           </a:p>
@@ -2938,7 +2939,7 @@
             <a:fld id="{B61BEF0D-F0BB-DE4B-95CE-6DB70DBA9567}" type="datetimeFigureOut">
               <a:rPr lang="en-US" dirty="0"/>
               <a:pPr/>
-              <a:t>11/26/21</a:t>
+              <a:t>11/28/21</a:t>
             </a:fld>
             <a:endParaRPr lang="en-US" dirty="0"/>
           </a:p>
@@ -3192,7 +3193,7 @@
             <a:fld id="{B61BEF0D-F0BB-DE4B-95CE-6DB70DBA9567}" type="datetimeFigureOut">
               <a:rPr lang="en-US" dirty="0"/>
               <a:pPr/>
-              <a:t>11/26/21</a:t>
+              <a:t>11/28/21</a:t>
             </a:fld>
             <a:endParaRPr lang="en-US" dirty="0"/>
           </a:p>
@@ -3481,7 +3482,7 @@
             <a:fld id="{B61BEF0D-F0BB-DE4B-95CE-6DB70DBA9567}" type="datetimeFigureOut">
               <a:rPr lang="en-US" dirty="0"/>
               <a:pPr/>
-              <a:t>11/26/21</a:t>
+              <a:t>11/28/21</a:t>
             </a:fld>
             <a:endParaRPr lang="en-US" dirty="0"/>
           </a:p>
@@ -3908,7 +3909,7 @@
             <a:fld id="{B61BEF0D-F0BB-DE4B-95CE-6DB70DBA9567}" type="datetimeFigureOut">
               <a:rPr lang="en-US" dirty="0"/>
               <a:pPr/>
-              <a:t>11/26/21</a:t>
+              <a:t>11/28/21</a:t>
             </a:fld>
             <a:endParaRPr lang="en-US" dirty="0"/>
           </a:p>
@@ -4023,7 +4024,7 @@
             <a:fld id="{B61BEF0D-F0BB-DE4B-95CE-6DB70DBA9567}" type="datetimeFigureOut">
               <a:rPr lang="en-US" dirty="0"/>
               <a:pPr/>
-              <a:t>11/26/21</a:t>
+              <a:t>11/28/21</a:t>
             </a:fld>
             <a:endParaRPr lang="en-US" dirty="0"/>
           </a:p>
@@ -4115,7 +4116,7 @@
             <a:fld id="{B61BEF0D-F0BB-DE4B-95CE-6DB70DBA9567}" type="datetimeFigureOut">
               <a:rPr lang="en-US" dirty="0"/>
               <a:pPr/>
-              <a:t>11/26/21</a:t>
+              <a:t>11/28/21</a:t>
             </a:fld>
             <a:endParaRPr lang="en-US" dirty="0"/>
           </a:p>
@@ -4395,7 +4396,7 @@
             <a:fld id="{B61BEF0D-F0BB-DE4B-95CE-6DB70DBA9567}" type="datetimeFigureOut">
               <a:rPr lang="en-US" dirty="0"/>
               <a:pPr/>
-              <a:t>11/26/21</a:t>
+              <a:t>11/28/21</a:t>
             </a:fld>
             <a:endParaRPr lang="en-US" dirty="0"/>
           </a:p>
@@ -4683,7 +4684,7 @@
             <a:fld id="{B61BEF0D-F0BB-DE4B-95CE-6DB70DBA9567}" type="datetimeFigureOut">
               <a:rPr lang="en-US" dirty="0"/>
               <a:pPr/>
-              <a:t>11/26/21</a:t>
+              <a:t>11/28/21</a:t>
             </a:fld>
             <a:endParaRPr lang="en-US" dirty="0"/>
           </a:p>
@@ -4911,7 +4912,7 @@
             <a:fld id="{B61BEF0D-F0BB-DE4B-95CE-6DB70DBA9567}" type="datetimeFigureOut">
               <a:rPr lang="en-US" dirty="0"/>
               <a:pPr/>
-              <a:t>11/26/21</a:t>
+              <a:t>11/28/21</a:t>
             </a:fld>
             <a:endParaRPr lang="en-US" dirty="0"/>
           </a:p>
@@ -5728,7 +5729,12 @@
             <p:ph type="subTitle" idx="1"/>
           </p:nvPr>
         </p:nvSpPr>
-        <p:spPr/>
+        <p:spPr>
+          <a:xfrm>
+            <a:off x="1751012" y="3924837"/>
+            <a:ext cx="8676222" cy="1905000"/>
+          </a:xfrm>
+        </p:spPr>
         <p:txBody>
           <a:bodyPr/>
           <a:lstStyle/>
@@ -5736,7 +5742,7 @@
             <a:r>
               <a:rPr lang="fr-FR" dirty="0">
                 <a:solidFill>
-                  <a:srgbClr val="9356DC"/>
+                  <a:srgbClr val="BD75FF"/>
                 </a:solidFill>
                 <a:latin typeface="Roboto Black" panose="02000000000000000000" pitchFamily="2" charset="0"/>
                 <a:ea typeface="Roboto Black" panose="02000000000000000000" pitchFamily="2" charset="0"/>
@@ -5840,7 +5846,7 @@
             <a:r>
               <a:rPr lang="fr-FR" dirty="0">
                 <a:solidFill>
-                  <a:srgbClr val="9356DC"/>
+                  <a:srgbClr val="BD75FF"/>
                 </a:solidFill>
                 <a:latin typeface="Roboto Black" panose="02000000000000000000" pitchFamily="2" charset="0"/>
                 <a:ea typeface="Roboto Black" panose="02000000000000000000" pitchFamily="2" charset="0"/>
@@ -5852,7 +5858,7 @@
             <a:r>
               <a:rPr lang="fr-FR" dirty="0">
                 <a:solidFill>
-                  <a:srgbClr val="9356DC"/>
+                  <a:srgbClr val="BD75FF"/>
                 </a:solidFill>
                 <a:latin typeface="Roboto Black" panose="02000000000000000000" pitchFamily="2" charset="0"/>
                 <a:ea typeface="Roboto Black" panose="02000000000000000000" pitchFamily="2" charset="0"/>
@@ -5864,7 +5870,7 @@
             <a:r>
               <a:rPr lang="fr-FR" dirty="0">
                 <a:solidFill>
-                  <a:srgbClr val="9356DC"/>
+                  <a:srgbClr val="BD75FF"/>
                 </a:solidFill>
                 <a:latin typeface="Roboto Black" panose="02000000000000000000" pitchFamily="2" charset="0"/>
                 <a:ea typeface="Roboto Black" panose="02000000000000000000" pitchFamily="2" charset="0"/>
@@ -5876,7 +5882,7 @@
             <a:r>
               <a:rPr lang="fr-FR" dirty="0">
                 <a:solidFill>
-                  <a:srgbClr val="9356DC"/>
+                  <a:srgbClr val="BD75FF"/>
                 </a:solidFill>
                 <a:latin typeface="Roboto Black" panose="02000000000000000000" pitchFamily="2" charset="0"/>
                 <a:ea typeface="Roboto Black" panose="02000000000000000000" pitchFamily="2" charset="0"/>
@@ -5921,7 +5927,7 @@
           <p:cNvPr id="2" name="Titre 1">
             <a:extLst>
               <a:ext uri="{FF2B5EF4-FFF2-40B4-BE49-F238E27FC236}">
-                <a16:creationId xmlns:a16="http://schemas.microsoft.com/office/drawing/2014/main" id="{5742992D-28B2-DB41-9F28-39AE064C2ACE}"/>
+                <a16:creationId xmlns:a16="http://schemas.microsoft.com/office/drawing/2014/main" id="{D6AFC852-0BE2-6843-9714-5FB6721CA4EE}"/>
               </a:ext>
             </a:extLst>
           </p:cNvPr>
@@ -5932,12 +5938,7 @@
             <p:ph type="title"/>
           </p:nvPr>
         </p:nvSpPr>
-        <p:spPr>
-          <a:xfrm>
-            <a:off x="1141413" y="609600"/>
-            <a:ext cx="9905998" cy="5181600"/>
-          </a:xfrm>
-        </p:spPr>
+        <p:spPr/>
         <p:txBody>
           <a:bodyPr/>
           <a:lstStyle/>
@@ -5950,45 +5951,7 @@
                 <a:latin typeface="Shrikhand" panose="02000000000000000000" pitchFamily="2" charset="77"/>
                 <a:cs typeface="Shrikhand" panose="02000000000000000000" pitchFamily="2" charset="77"/>
               </a:rPr>
-              <a:t>Rendu Visuel Mobile</a:t>
-            </a:r>
-            <a:br>
-              <a:rPr lang="fr-FR" dirty="0">
-                <a:solidFill>
-                  <a:srgbClr val="FF79DA"/>
-                </a:solidFill>
-                <a:latin typeface="Shrikhand" panose="02000000000000000000" pitchFamily="2" charset="77"/>
-                <a:cs typeface="Shrikhand" panose="02000000000000000000" pitchFamily="2" charset="77"/>
-              </a:rPr>
-            </a:br>
-            <a:r>
-              <a:rPr lang="fr-FR" dirty="0">
-                <a:solidFill>
-                  <a:srgbClr val="FF79DA"/>
-                </a:solidFill>
-                <a:latin typeface="Shrikhand" panose="02000000000000000000" pitchFamily="2" charset="77"/>
-                <a:cs typeface="Shrikhand" panose="02000000000000000000" pitchFamily="2" charset="77"/>
-              </a:rPr>
-              <a:t>Rendu visuel tablette</a:t>
-            </a:r>
-            <a:br>
-              <a:rPr lang="fr-FR" dirty="0">
-                <a:solidFill>
-                  <a:srgbClr val="FF79DA"/>
-                </a:solidFill>
-                <a:latin typeface="Shrikhand" panose="02000000000000000000" pitchFamily="2" charset="77"/>
-                <a:cs typeface="Shrikhand" panose="02000000000000000000" pitchFamily="2" charset="77"/>
-              </a:rPr>
-            </a:br>
-            <a:r>
-              <a:rPr lang="fr-FR" dirty="0">
-                <a:solidFill>
-                  <a:srgbClr val="FF79DA"/>
-                </a:solidFill>
-                <a:latin typeface="Shrikhand" panose="02000000000000000000" pitchFamily="2" charset="77"/>
-                <a:cs typeface="Shrikhand" panose="02000000000000000000" pitchFamily="2" charset="77"/>
-              </a:rPr>
-              <a:t>rendu visuel desktop</a:t>
+              <a:t>Présentation du projet</a:t>
             </a:r>
           </a:p>
         </p:txBody>
@@ -5998,7 +5961,7 @@
           <p:cNvPr id="3" name="Espace réservé du contenu 2">
             <a:extLst>
               <a:ext uri="{FF2B5EF4-FFF2-40B4-BE49-F238E27FC236}">
-                <a16:creationId xmlns:a16="http://schemas.microsoft.com/office/drawing/2014/main" id="{11AE5F77-8F76-BD41-8338-5DA3776E690F}"/>
+                <a16:creationId xmlns:a16="http://schemas.microsoft.com/office/drawing/2014/main" id="{A635031C-E182-D242-B878-4D3E9B3BF0F5}"/>
               </a:ext>
             </a:extLst>
           </p:cNvPr>
@@ -6014,6 +5977,82 @@
           <a:bodyPr/>
           <a:lstStyle/>
           <a:p>
+            <a:pPr marL="0" indent="0">
+              <a:buNone/>
+            </a:pPr>
+            <a:r>
+              <a:rPr lang="fr-FR" dirty="0">
+                <a:solidFill>
+                  <a:srgbClr val="BD75FF"/>
+                </a:solidFill>
+                <a:effectLst/>
+                <a:latin typeface="Roboto Black" panose="02000000000000000000" pitchFamily="2" charset="0"/>
+                <a:ea typeface="Roboto Black" panose="02000000000000000000" pitchFamily="2" charset="0"/>
+              </a:rPr>
+              <a:t>Vous venez d’être recruté chez </a:t>
+            </a:r>
+            <a:r>
+              <a:rPr lang="fr-FR" dirty="0" err="1">
+                <a:solidFill>
+                  <a:srgbClr val="BD75FF"/>
+                </a:solidFill>
+                <a:effectLst/>
+                <a:latin typeface="Roboto Black" panose="02000000000000000000" pitchFamily="2" charset="0"/>
+                <a:ea typeface="Roboto Black" panose="02000000000000000000" pitchFamily="2" charset="0"/>
+              </a:rPr>
+              <a:t>Ohmyfood</a:t>
+            </a:r>
+            <a:r>
+              <a:rPr lang="fr-FR" dirty="0">
+                <a:solidFill>
+                  <a:srgbClr val="BD75FF"/>
+                </a:solidFill>
+                <a:effectLst/>
+                <a:latin typeface="Roboto Black" panose="02000000000000000000" pitchFamily="2" charset="0"/>
+                <a:ea typeface="Roboto Black" panose="02000000000000000000" pitchFamily="2" charset="0"/>
+              </a:rPr>
+              <a:t>, en tant que développeur junior.</a:t>
+            </a:r>
+          </a:p>
+          <a:p>
+            <a:pPr marL="0" indent="0">
+              <a:buNone/>
+            </a:pPr>
+            <a:r>
+              <a:rPr lang="fr-FR" dirty="0">
+                <a:solidFill>
+                  <a:srgbClr val="BD75FF"/>
+                </a:solidFill>
+                <a:effectLst/>
+                <a:latin typeface="Roboto Black" panose="02000000000000000000" pitchFamily="2" charset="0"/>
+                <a:ea typeface="Roboto Black" panose="02000000000000000000" pitchFamily="2" charset="0"/>
+              </a:rPr>
+              <a:t> </a:t>
+            </a:r>
+            <a:r>
+              <a:rPr lang="fr-FR" dirty="0" err="1">
+                <a:solidFill>
+                  <a:srgbClr val="BD75FF"/>
+                </a:solidFill>
+                <a:effectLst/>
+                <a:latin typeface="Roboto Black" panose="02000000000000000000" pitchFamily="2" charset="0"/>
+                <a:ea typeface="Roboto Black" panose="02000000000000000000" pitchFamily="2" charset="0"/>
+              </a:rPr>
+              <a:t>Ohmyfood</a:t>
+            </a:r>
+            <a:r>
+              <a:rPr lang="fr-FR" dirty="0">
+                <a:solidFill>
+                  <a:srgbClr val="BD75FF"/>
+                </a:solidFill>
+                <a:effectLst/>
+                <a:latin typeface="Roboto Black" panose="02000000000000000000" pitchFamily="2" charset="0"/>
+                <a:ea typeface="Roboto Black" panose="02000000000000000000" pitchFamily="2" charset="0"/>
+              </a:rPr>
+              <a:t> est une jeune startup qui voudrait s'imposer sur le marché de la restauration. L'objectif est de développer un site 100% mobile qui répertorie les menus de restaurants gastronomiques. En plus des systèmes classiques de réservation, les clients pourront composer le menu de leur repas pour que les plats soient prêts à leur arrivée. Finis, les temps d'attente au restaurant !</a:t>
+            </a:r>
+          </a:p>
+          <a:p>
             <a:endParaRPr lang="fr-FR" dirty="0"/>
           </a:p>
         </p:txBody>
@@ -6021,7 +6060,7 @@
     </p:spTree>
     <p:extLst>
       <p:ext uri="{BB962C8B-B14F-4D97-AF65-F5344CB8AC3E}">
-        <p14:creationId xmlns:p14="http://schemas.microsoft.com/office/powerpoint/2010/main" val="4078970269"/>
+        <p14:creationId xmlns:p14="http://schemas.microsoft.com/office/powerpoint/2010/main" val="2940208296"/>
       </p:ext>
     </p:extLst>
   </p:cSld>
@@ -6053,6 +6092,113 @@
           <p:cNvPr id="2" name="Titre 1">
             <a:extLst>
               <a:ext uri="{FF2B5EF4-FFF2-40B4-BE49-F238E27FC236}">
+                <a16:creationId xmlns:a16="http://schemas.microsoft.com/office/drawing/2014/main" id="{5742992D-28B2-DB41-9F28-39AE064C2ACE}"/>
+              </a:ext>
+            </a:extLst>
+          </p:cNvPr>
+          <p:cNvSpPr>
+            <a:spLocks noGrp="1"/>
+          </p:cNvSpPr>
+          <p:nvPr>
+            <p:ph type="title"/>
+          </p:nvPr>
+        </p:nvSpPr>
+        <p:spPr>
+          <a:xfrm>
+            <a:off x="1141413" y="609600"/>
+            <a:ext cx="9905998" cy="5181600"/>
+          </a:xfrm>
+        </p:spPr>
+        <p:txBody>
+          <a:bodyPr/>
+          <a:lstStyle/>
+          <a:p>
+            <a:r>
+              <a:rPr lang="fr-FR" dirty="0">
+                <a:solidFill>
+                  <a:srgbClr val="FF79DA"/>
+                </a:solidFill>
+                <a:latin typeface="Shrikhand" panose="02000000000000000000" pitchFamily="2" charset="77"/>
+                <a:cs typeface="Shrikhand" panose="02000000000000000000" pitchFamily="2" charset="77"/>
+              </a:rPr>
+              <a:t>Rendu Visuel Mobile</a:t>
+            </a:r>
+            <a:br>
+              <a:rPr lang="fr-FR" dirty="0">
+                <a:solidFill>
+                  <a:srgbClr val="FF79DA"/>
+                </a:solidFill>
+                <a:latin typeface="Shrikhand" panose="02000000000000000000" pitchFamily="2" charset="77"/>
+                <a:cs typeface="Shrikhand" panose="02000000000000000000" pitchFamily="2" charset="77"/>
+              </a:rPr>
+            </a:br>
+            <a:r>
+              <a:rPr lang="fr-FR" dirty="0">
+                <a:solidFill>
+                  <a:srgbClr val="FF79DA"/>
+                </a:solidFill>
+                <a:latin typeface="Shrikhand" panose="02000000000000000000" pitchFamily="2" charset="77"/>
+                <a:cs typeface="Shrikhand" panose="02000000000000000000" pitchFamily="2" charset="77"/>
+              </a:rPr>
+              <a:t>Rendu visuel tablette</a:t>
+            </a:r>
+            <a:br>
+              <a:rPr lang="fr-FR" dirty="0">
+                <a:solidFill>
+                  <a:srgbClr val="FF79DA"/>
+                </a:solidFill>
+                <a:latin typeface="Shrikhand" panose="02000000000000000000" pitchFamily="2" charset="77"/>
+                <a:cs typeface="Shrikhand" panose="02000000000000000000" pitchFamily="2" charset="77"/>
+              </a:rPr>
+            </a:br>
+            <a:r>
+              <a:rPr lang="fr-FR" dirty="0">
+                <a:solidFill>
+                  <a:srgbClr val="FF79DA"/>
+                </a:solidFill>
+                <a:latin typeface="Shrikhand" panose="02000000000000000000" pitchFamily="2" charset="77"/>
+                <a:cs typeface="Shrikhand" panose="02000000000000000000" pitchFamily="2" charset="77"/>
+              </a:rPr>
+              <a:t>rendu visuel desktop</a:t>
+            </a:r>
+          </a:p>
+        </p:txBody>
+      </p:sp>
+    </p:spTree>
+    <p:extLst>
+      <p:ext uri="{BB962C8B-B14F-4D97-AF65-F5344CB8AC3E}">
+        <p14:creationId xmlns:p14="http://schemas.microsoft.com/office/powerpoint/2010/main" val="4078970269"/>
+      </p:ext>
+    </p:extLst>
+  </p:cSld>
+  <p:clrMapOvr>
+    <a:masterClrMapping/>
+  </p:clrMapOvr>
+</p:sld>
+</file>
+
+<file path=ppt/slides/slide5.xml><?xml version="1.0" encoding="utf-8"?>
+<p:sld xmlns:a="http://schemas.openxmlformats.org/drawingml/2006/main" xmlns:r="http://schemas.openxmlformats.org/officeDocument/2006/relationships" xmlns:p="http://schemas.openxmlformats.org/presentationml/2006/main">
+  <p:cSld>
+    <p:spTree>
+      <p:nvGrpSpPr>
+        <p:cNvPr id="1" name=""/>
+        <p:cNvGrpSpPr/>
+        <p:nvPr/>
+      </p:nvGrpSpPr>
+      <p:grpSpPr>
+        <a:xfrm>
+          <a:off x="0" y="0"/>
+          <a:ext cx="0" cy="0"/>
+          <a:chOff x="0" y="0"/>
+          <a:chExt cx="0" cy="0"/>
+        </a:xfrm>
+      </p:grpSpPr>
+      <p:sp>
+        <p:nvSpPr>
+          <p:cNvPr id="2" name="Titre 1">
+            <a:extLst>
+              <a:ext uri="{FF2B5EF4-FFF2-40B4-BE49-F238E27FC236}">
                 <a16:creationId xmlns:a16="http://schemas.microsoft.com/office/drawing/2014/main" id="{420802D7-6E0F-BD46-AC64-720E16F8950D}"/>
               </a:ext>
             </a:extLst>
@@ -6116,7 +6262,7 @@
             <a:r>
               <a:rPr lang="fr-FR" dirty="0">
                 <a:solidFill>
-                  <a:srgbClr val="9356DC"/>
+                  <a:srgbClr val="BD75FF"/>
                 </a:solidFill>
                 <a:latin typeface="Roboto Black" panose="02000000000000000000" pitchFamily="2" charset="0"/>
                 <a:ea typeface="Roboto Black" panose="02000000000000000000" pitchFamily="2" charset="0"/>
@@ -6128,7 +6274,7 @@
             <a:r>
               <a:rPr lang="fr-FR" dirty="0">
                 <a:solidFill>
-                  <a:srgbClr val="9356DC"/>
+                  <a:srgbClr val="BD75FF"/>
                 </a:solidFill>
                 <a:latin typeface="Roboto Black" panose="02000000000000000000" pitchFamily="2" charset="0"/>
                 <a:ea typeface="Roboto Black" panose="02000000000000000000" pitchFamily="2" charset="0"/>
@@ -6140,7 +6286,7 @@
             <a:r>
               <a:rPr lang="fr-FR" dirty="0">
                 <a:solidFill>
-                  <a:srgbClr val="9356DC"/>
+                  <a:srgbClr val="BD75FF"/>
                 </a:solidFill>
                 <a:latin typeface="Roboto Black" panose="02000000000000000000" pitchFamily="2" charset="0"/>
                 <a:ea typeface="Roboto Black" panose="02000000000000000000" pitchFamily="2" charset="0"/>
@@ -6150,7 +6296,7 @@
             <a:r>
               <a:rPr lang="fr-FR" dirty="0" err="1">
                 <a:solidFill>
-                  <a:srgbClr val="9356DC"/>
+                  <a:srgbClr val="BD75FF"/>
                 </a:solidFill>
                 <a:latin typeface="Roboto Black" panose="02000000000000000000" pitchFamily="2" charset="0"/>
                 <a:ea typeface="Roboto Black" panose="02000000000000000000" pitchFamily="2" charset="0"/>
@@ -6159,7 +6305,7 @@
             </a:r>
             <a:endParaRPr lang="fr-FR" dirty="0">
               <a:solidFill>
-                <a:srgbClr val="9356DC"/>
+                <a:srgbClr val="BD75FF"/>
               </a:solidFill>
               <a:latin typeface="Roboto Black" panose="02000000000000000000" pitchFamily="2" charset="0"/>
               <a:ea typeface="Roboto Black" panose="02000000000000000000" pitchFamily="2" charset="0"/>
@@ -6169,7 +6315,7 @@
             <a:r>
               <a:rPr lang="fr-FR" dirty="0" err="1">
                 <a:solidFill>
-                  <a:srgbClr val="9356DC"/>
+                  <a:srgbClr val="BD75FF"/>
                 </a:solidFill>
                 <a:latin typeface="Roboto Black" panose="02000000000000000000" pitchFamily="2" charset="0"/>
                 <a:ea typeface="Roboto Black" panose="02000000000000000000" pitchFamily="2" charset="0"/>
@@ -6179,7 +6325,7 @@
             <a:r>
               <a:rPr lang="fr-FR" dirty="0">
                 <a:solidFill>
-                  <a:srgbClr val="9356DC"/>
+                  <a:srgbClr val="BD75FF"/>
                 </a:solidFill>
                 <a:latin typeface="Roboto Black" panose="02000000000000000000" pitchFamily="2" charset="0"/>
                 <a:ea typeface="Roboto Black" panose="02000000000000000000" pitchFamily="2" charset="0"/>
@@ -6202,7 +6348,7 @@
 </p:sld>
 </file>
 
-<file path=ppt/slides/slide5.xml><?xml version="1.0" encoding="utf-8"?>
+<file path=ppt/slides/slide6.xml><?xml version="1.0" encoding="utf-8"?>
 <p:sld xmlns:a="http://schemas.openxmlformats.org/drawingml/2006/main" xmlns:r="http://schemas.openxmlformats.org/officeDocument/2006/relationships" xmlns:p="http://schemas.openxmlformats.org/presentationml/2006/main">
   <p:cSld>
     <p:spTree>
@@ -6343,7 +6489,7 @@
             <a:r>
               <a:rPr lang="fr-FR" dirty="0" err="1">
                 <a:solidFill>
-                  <a:srgbClr val="9356DC"/>
+                  <a:srgbClr val="BD75FF"/>
                 </a:solidFill>
                 <a:latin typeface="Roboto Black" panose="02000000000000000000" pitchFamily="2" charset="0"/>
                 <a:ea typeface="Roboto Black" panose="02000000000000000000" pitchFamily="2" charset="0"/>
@@ -6352,7 +6498,7 @@
             </a:r>
             <a:endParaRPr lang="fr-FR" dirty="0">
               <a:solidFill>
-                <a:srgbClr val="9356DC"/>
+                <a:srgbClr val="BD75FF"/>
               </a:solidFill>
               <a:latin typeface="Roboto Black" panose="02000000000000000000" pitchFamily="2" charset="0"/>
               <a:ea typeface="Roboto Black" panose="02000000000000000000" pitchFamily="2" charset="0"/>
@@ -6391,7 +6537,7 @@
             <a:r>
               <a:rPr lang="fr-FR" dirty="0">
                 <a:solidFill>
-                  <a:srgbClr val="9356DC"/>
+                  <a:srgbClr val="BD75FF"/>
                 </a:solidFill>
                 <a:latin typeface="Roboto Black" panose="02000000000000000000" pitchFamily="2" charset="0"/>
                 <a:ea typeface="Roboto Black" panose="02000000000000000000" pitchFamily="2" charset="0"/>
@@ -6401,7 +6547,7 @@
             <a:r>
               <a:rPr lang="fr-FR" dirty="0" err="1">
                 <a:solidFill>
-                  <a:srgbClr val="9356DC"/>
+                  <a:srgbClr val="BD75FF"/>
                 </a:solidFill>
                 <a:latin typeface="Roboto Black" panose="02000000000000000000" pitchFamily="2" charset="0"/>
                 <a:ea typeface="Roboto Black" panose="02000000000000000000" pitchFamily="2" charset="0"/>
@@ -6410,7 +6556,7 @@
             </a:r>
             <a:endParaRPr lang="fr-FR" dirty="0">
               <a:solidFill>
-                <a:srgbClr val="9356DC"/>
+                <a:srgbClr val="BD75FF"/>
               </a:solidFill>
               <a:latin typeface="Roboto Black" panose="02000000000000000000" pitchFamily="2" charset="0"/>
               <a:ea typeface="Roboto Black" panose="02000000000000000000" pitchFamily="2" charset="0"/>
@@ -6431,7 +6577,7 @@
 </p:sld>
 </file>
 
-<file path=ppt/slides/slide6.xml><?xml version="1.0" encoding="utf-8"?>
+<file path=ppt/slides/slide7.xml><?xml version="1.0" encoding="utf-8"?>
 <p:sld xmlns:a="http://schemas.openxmlformats.org/drawingml/2006/main" xmlns:r="http://schemas.openxmlformats.org/officeDocument/2006/relationships" xmlns:p="http://schemas.openxmlformats.org/presentationml/2006/main">
   <p:cSld>
     <p:spTree>
@@ -6612,7 +6758,7 @@
             <a:r>
               <a:rPr lang="fr-FR" dirty="0">
                 <a:solidFill>
-                  <a:srgbClr val="9356DC"/>
+                  <a:srgbClr val="BD75FF"/>
                 </a:solidFill>
                 <a:latin typeface="Roboto Black" panose="02000000000000000000" pitchFamily="2" charset="0"/>
                 <a:ea typeface="Roboto Black" panose="02000000000000000000" pitchFamily="2" charset="0"/>
@@ -6622,7 +6768,7 @@
             <a:r>
               <a:rPr lang="fr-FR" dirty="0" err="1">
                 <a:solidFill>
-                  <a:srgbClr val="9356DC"/>
+                  <a:srgbClr val="BD75FF"/>
                 </a:solidFill>
                 <a:latin typeface="Roboto Black" panose="02000000000000000000" pitchFamily="2" charset="0"/>
                 <a:ea typeface="Roboto Black" panose="02000000000000000000" pitchFamily="2" charset="0"/>
@@ -6631,7 +6777,7 @@
             </a:r>
             <a:endParaRPr lang="fr-FR" dirty="0">
               <a:solidFill>
-                <a:srgbClr val="9356DC"/>
+                <a:srgbClr val="BD75FF"/>
               </a:solidFill>
               <a:latin typeface="Roboto Black" panose="02000000000000000000" pitchFamily="2" charset="0"/>
               <a:ea typeface="Roboto Black" panose="02000000000000000000" pitchFamily="2" charset="0"/>
@@ -6670,7 +6816,7 @@
             <a:r>
               <a:rPr lang="fr-FR" dirty="0">
                 <a:solidFill>
-                  <a:srgbClr val="9356DC"/>
+                  <a:srgbClr val="BD75FF"/>
                 </a:solidFill>
                 <a:latin typeface="Roboto Black" panose="02000000000000000000" pitchFamily="2" charset="0"/>
                 <a:ea typeface="Roboto Black" panose="02000000000000000000" pitchFamily="2" charset="0"/>
@@ -6680,7 +6826,7 @@
             <a:r>
               <a:rPr lang="fr-FR" dirty="0" err="1">
                 <a:solidFill>
-                  <a:srgbClr val="9356DC"/>
+                  <a:srgbClr val="BD75FF"/>
                 </a:solidFill>
                 <a:latin typeface="Roboto Black" panose="02000000000000000000" pitchFamily="2" charset="0"/>
                 <a:ea typeface="Roboto Black" panose="02000000000000000000" pitchFamily="2" charset="0"/>
@@ -6690,7 +6836,7 @@
             <a:r>
               <a:rPr lang="fr-FR" dirty="0">
                 <a:solidFill>
-                  <a:srgbClr val="9356DC"/>
+                  <a:srgbClr val="BD75FF"/>
                 </a:solidFill>
                 <a:latin typeface="Roboto Black" panose="02000000000000000000" pitchFamily="2" charset="0"/>
                 <a:ea typeface="Roboto Black" panose="02000000000000000000" pitchFamily="2" charset="0"/>
@@ -6700,7 +6846,7 @@
             <a:r>
               <a:rPr lang="fr-FR" dirty="0" err="1">
                 <a:solidFill>
-                  <a:srgbClr val="9356DC"/>
+                  <a:srgbClr val="BD75FF"/>
                 </a:solidFill>
                 <a:latin typeface="Roboto Black" panose="02000000000000000000" pitchFamily="2" charset="0"/>
                 <a:ea typeface="Roboto Black" panose="02000000000000000000" pitchFamily="2" charset="0"/>
@@ -6709,7 +6855,7 @@
             </a:r>
             <a:endParaRPr lang="fr-FR" dirty="0">
               <a:solidFill>
-                <a:srgbClr val="9356DC"/>
+                <a:srgbClr val="BD75FF"/>
               </a:solidFill>
               <a:latin typeface="Roboto Black" panose="02000000000000000000" pitchFamily="2" charset="0"/>
               <a:ea typeface="Roboto Black" panose="02000000000000000000" pitchFamily="2" charset="0"/>
@@ -6748,7 +6894,7 @@
             <a:r>
               <a:rPr lang="fr-FR" dirty="0" err="1">
                 <a:solidFill>
-                  <a:srgbClr val="9356DC"/>
+                  <a:srgbClr val="BD75FF"/>
                 </a:solidFill>
                 <a:latin typeface="Roboto Black" panose="02000000000000000000" pitchFamily="2" charset="0"/>
                 <a:ea typeface="Roboto Black" panose="02000000000000000000" pitchFamily="2" charset="0"/>
@@ -6757,7 +6903,7 @@
             </a:r>
             <a:endParaRPr lang="fr-FR" dirty="0">
               <a:solidFill>
-                <a:srgbClr val="9356DC"/>
+                <a:srgbClr val="BD75FF"/>
               </a:solidFill>
               <a:latin typeface="Roboto Black" panose="02000000000000000000" pitchFamily="2" charset="0"/>
               <a:ea typeface="Roboto Black" panose="02000000000000000000" pitchFamily="2" charset="0"/>
@@ -6769,100 +6915,6 @@
     <p:extLst>
       <p:ext uri="{BB962C8B-B14F-4D97-AF65-F5344CB8AC3E}">
         <p14:creationId xmlns:p14="http://schemas.microsoft.com/office/powerpoint/2010/main" val="1157765363"/>
-      </p:ext>
-    </p:extLst>
-  </p:cSld>
-  <p:clrMapOvr>
-    <a:masterClrMapping/>
-  </p:clrMapOvr>
-</p:sld>
-</file>
-
-<file path=ppt/slides/slide7.xml><?xml version="1.0" encoding="utf-8"?>
-<p:sld xmlns:a="http://schemas.openxmlformats.org/drawingml/2006/main" xmlns:r="http://schemas.openxmlformats.org/officeDocument/2006/relationships" xmlns:p="http://schemas.openxmlformats.org/presentationml/2006/main">
-  <p:cSld>
-    <p:spTree>
-      <p:nvGrpSpPr>
-        <p:cNvPr id="1" name=""/>
-        <p:cNvGrpSpPr/>
-        <p:nvPr/>
-      </p:nvGrpSpPr>
-      <p:grpSpPr>
-        <a:xfrm>
-          <a:off x="0" y="0"/>
-          <a:ext cx="0" cy="0"/>
-          <a:chOff x="0" y="0"/>
-          <a:chExt cx="0" cy="0"/>
-        </a:xfrm>
-      </p:grpSpPr>
-      <p:sp>
-        <p:nvSpPr>
-          <p:cNvPr id="2" name="Titre 1">
-            <a:extLst>
-              <a:ext uri="{FF2B5EF4-FFF2-40B4-BE49-F238E27FC236}">
-                <a16:creationId xmlns:a16="http://schemas.microsoft.com/office/drawing/2014/main" id="{AF4314F3-7E0E-484A-86F3-C993E58634E9}"/>
-              </a:ext>
-            </a:extLst>
-          </p:cNvPr>
-          <p:cNvSpPr>
-            <a:spLocks noGrp="1"/>
-          </p:cNvSpPr>
-          <p:nvPr>
-            <p:ph type="title"/>
-          </p:nvPr>
-        </p:nvSpPr>
-        <p:spPr/>
-        <p:txBody>
-          <a:bodyPr/>
-          <a:lstStyle/>
-          <a:p>
-            <a:r>
-              <a:rPr lang="fr-FR" dirty="0">
-                <a:solidFill>
-                  <a:srgbClr val="FF79DA"/>
-                </a:solidFill>
-                <a:latin typeface="Shrikhand" panose="02000000000000000000" pitchFamily="2" charset="77"/>
-                <a:cs typeface="Shrikhand" panose="02000000000000000000" pitchFamily="2" charset="77"/>
-              </a:rPr>
-              <a:t>Présentation Validateur w3c : CSS</a:t>
-            </a:r>
-            <a:endParaRPr lang="fr-FR" dirty="0">
-              <a:solidFill>
-                <a:srgbClr val="FF79DA"/>
-              </a:solidFill>
-            </a:endParaRPr>
-          </a:p>
-        </p:txBody>
-      </p:sp>
-      <p:sp>
-        <p:nvSpPr>
-          <p:cNvPr id="3" name="Espace réservé du contenu 2">
-            <a:extLst>
-              <a:ext uri="{FF2B5EF4-FFF2-40B4-BE49-F238E27FC236}">
-                <a16:creationId xmlns:a16="http://schemas.microsoft.com/office/drawing/2014/main" id="{FE286E28-4446-CD4C-9DD8-2CB74FD4CA73}"/>
-              </a:ext>
-            </a:extLst>
-          </p:cNvPr>
-          <p:cNvSpPr>
-            <a:spLocks noGrp="1"/>
-          </p:cNvSpPr>
-          <p:nvPr>
-            <p:ph idx="1"/>
-          </p:nvPr>
-        </p:nvSpPr>
-        <p:spPr/>
-        <p:txBody>
-          <a:bodyPr/>
-          <a:lstStyle/>
-          <a:p>
-            <a:endParaRPr lang="fr-FR"/>
-          </a:p>
-        </p:txBody>
-      </p:sp>
-    </p:spTree>
-    <p:extLst>
-      <p:ext uri="{BB962C8B-B14F-4D97-AF65-F5344CB8AC3E}">
-        <p14:creationId xmlns:p14="http://schemas.microsoft.com/office/powerpoint/2010/main" val="36661152"/>
       </p:ext>
     </p:extLst>
   </p:cSld>
@@ -6894,6 +6946,104 @@
           <p:cNvPr id="2" name="Titre 1">
             <a:extLst>
               <a:ext uri="{FF2B5EF4-FFF2-40B4-BE49-F238E27FC236}">
+                <a16:creationId xmlns:a16="http://schemas.microsoft.com/office/drawing/2014/main" id="{AF4314F3-7E0E-484A-86F3-C993E58634E9}"/>
+              </a:ext>
+            </a:extLst>
+          </p:cNvPr>
+          <p:cNvSpPr>
+            <a:spLocks noGrp="1"/>
+          </p:cNvSpPr>
+          <p:nvPr>
+            <p:ph type="title"/>
+          </p:nvPr>
+        </p:nvSpPr>
+        <p:spPr/>
+        <p:txBody>
+          <a:bodyPr/>
+          <a:lstStyle/>
+          <a:p>
+            <a:r>
+              <a:rPr lang="fr-FR" dirty="0">
+                <a:solidFill>
+                  <a:srgbClr val="FF79DA"/>
+                </a:solidFill>
+                <a:latin typeface="Shrikhand" panose="02000000000000000000" pitchFamily="2" charset="77"/>
+                <a:cs typeface="Shrikhand" panose="02000000000000000000" pitchFamily="2" charset="77"/>
+              </a:rPr>
+              <a:t>Présentation Validateur w3c : CSS</a:t>
+            </a:r>
+            <a:endParaRPr lang="fr-FR" dirty="0">
+              <a:solidFill>
+                <a:srgbClr val="FF79DA"/>
+              </a:solidFill>
+            </a:endParaRPr>
+          </a:p>
+        </p:txBody>
+      </p:sp>
+      <p:pic>
+        <p:nvPicPr>
+          <p:cNvPr id="5" name="Espace réservé du contenu 4">
+            <a:extLst>
+              <a:ext uri="{FF2B5EF4-FFF2-40B4-BE49-F238E27FC236}">
+                <a16:creationId xmlns:a16="http://schemas.microsoft.com/office/drawing/2014/main" id="{CE96BD6E-00E7-B54A-B416-CF901691AF05}"/>
+              </a:ext>
+            </a:extLst>
+          </p:cNvPr>
+          <p:cNvPicPr>
+            <a:picLocks noGrp="1" noChangeAspect="1"/>
+          </p:cNvPicPr>
+          <p:nvPr>
+            <p:ph idx="1"/>
+          </p:nvPr>
+        </p:nvPicPr>
+        <p:blipFill>
+          <a:blip r:embed="rId2"/>
+          <a:stretch>
+            <a:fillRect/>
+          </a:stretch>
+        </p:blipFill>
+        <p:spPr>
+          <a:xfrm>
+            <a:off x="2935664" y="2667000"/>
+            <a:ext cx="6317497" cy="3124200"/>
+          </a:xfrm>
+        </p:spPr>
+      </p:pic>
+    </p:spTree>
+    <p:extLst>
+      <p:ext uri="{BB962C8B-B14F-4D97-AF65-F5344CB8AC3E}">
+        <p14:creationId xmlns:p14="http://schemas.microsoft.com/office/powerpoint/2010/main" val="36661152"/>
+      </p:ext>
+    </p:extLst>
+  </p:cSld>
+  <p:clrMapOvr>
+    <a:masterClrMapping/>
+  </p:clrMapOvr>
+</p:sld>
+</file>
+
+<file path=ppt/slides/slide9.xml><?xml version="1.0" encoding="utf-8"?>
+<p:sld xmlns:a="http://schemas.openxmlformats.org/drawingml/2006/main" xmlns:r="http://schemas.openxmlformats.org/officeDocument/2006/relationships" xmlns:p="http://schemas.openxmlformats.org/presentationml/2006/main">
+  <p:cSld>
+    <p:spTree>
+      <p:nvGrpSpPr>
+        <p:cNvPr id="1" name=""/>
+        <p:cNvGrpSpPr/>
+        <p:nvPr/>
+      </p:nvGrpSpPr>
+      <p:grpSpPr>
+        <a:xfrm>
+          <a:off x="0" y="0"/>
+          <a:ext cx="0" cy="0"/>
+          <a:chOff x="0" y="0"/>
+          <a:chExt cx="0" cy="0"/>
+        </a:xfrm>
+      </p:grpSpPr>
+      <p:sp>
+        <p:nvSpPr>
+          <p:cNvPr id="2" name="Titre 1">
+            <a:extLst>
+              <a:ext uri="{FF2B5EF4-FFF2-40B4-BE49-F238E27FC236}">
                 <a16:creationId xmlns:a16="http://schemas.microsoft.com/office/drawing/2014/main" id="{9BB251BA-BEB1-034F-8FF3-5139FB0149E5}"/>
               </a:ext>
             </a:extLst>
@@ -6954,7 +7104,7 @@
             <a:r>
               <a:rPr lang="fr-FR" dirty="0">
                 <a:solidFill>
-                  <a:srgbClr val="9356DC"/>
+                  <a:srgbClr val="BD75FF"/>
                 </a:solidFill>
                 <a:latin typeface="Roboto Black" panose="02000000000000000000" pitchFamily="2" charset="0"/>
                 <a:ea typeface="Roboto Black" panose="02000000000000000000" pitchFamily="2" charset="0"/>
@@ -6966,7 +7116,7 @@
             <a:r>
               <a:rPr lang="fr-FR" dirty="0">
                 <a:solidFill>
-                  <a:srgbClr val="9356DC"/>
+                  <a:srgbClr val="BD75FF"/>
                 </a:solidFill>
                 <a:latin typeface="Roboto Black" panose="02000000000000000000" pitchFamily="2" charset="0"/>
                 <a:ea typeface="Roboto Black" panose="02000000000000000000" pitchFamily="2" charset="0"/>
@@ -6976,7 +7126,7 @@
             <a:r>
               <a:rPr lang="fr-FR" dirty="0" err="1">
                 <a:solidFill>
-                  <a:srgbClr val="9356DC"/>
+                  <a:srgbClr val="BD75FF"/>
                 </a:solidFill>
                 <a:latin typeface="Roboto Black" panose="02000000000000000000" pitchFamily="2" charset="0"/>
                 <a:ea typeface="Roboto Black" panose="02000000000000000000" pitchFamily="2" charset="0"/>
@@ -6986,7 +7136,7 @@
             <a:r>
               <a:rPr lang="fr-FR" dirty="0">
                 <a:solidFill>
-                  <a:srgbClr val="9356DC"/>
+                  <a:srgbClr val="BD75FF"/>
                 </a:solidFill>
                 <a:latin typeface="Roboto Black" panose="02000000000000000000" pitchFamily="2" charset="0"/>
                 <a:ea typeface="Roboto Black" panose="02000000000000000000" pitchFamily="2" charset="0"/>
@@ -6996,7 +7146,7 @@
             <a:r>
               <a:rPr lang="fr-FR" dirty="0" err="1">
                 <a:solidFill>
-                  <a:srgbClr val="9356DC"/>
+                  <a:srgbClr val="BD75FF"/>
                 </a:solidFill>
                 <a:latin typeface="Roboto Black" panose="02000000000000000000" pitchFamily="2" charset="0"/>
                 <a:ea typeface="Roboto Black" panose="02000000000000000000" pitchFamily="2" charset="0"/>
@@ -7006,7 +7156,7 @@
             <a:r>
               <a:rPr lang="fr-FR" dirty="0">
                 <a:solidFill>
-                  <a:srgbClr val="9356DC"/>
+                  <a:srgbClr val="BD75FF"/>
                 </a:solidFill>
                 <a:latin typeface="Roboto Black" panose="02000000000000000000" pitchFamily="2" charset="0"/>
                 <a:ea typeface="Roboto Black" panose="02000000000000000000" pitchFamily="2" charset="0"/>
@@ -7018,7 +7168,7 @@
             <a:r>
               <a:rPr lang="fr-FR" dirty="0">
                 <a:solidFill>
-                  <a:srgbClr val="9356DC"/>
+                  <a:srgbClr val="BD75FF"/>
                 </a:solidFill>
                 <a:latin typeface="Roboto Black" panose="02000000000000000000" pitchFamily="2" charset="0"/>
                 <a:ea typeface="Roboto Black" panose="02000000000000000000" pitchFamily="2" charset="0"/>
@@ -7028,7 +7178,7 @@
             <a:r>
               <a:rPr lang="fr-FR" dirty="0" err="1">
                 <a:solidFill>
-                  <a:srgbClr val="9356DC"/>
+                  <a:srgbClr val="BD75FF"/>
                 </a:solidFill>
                 <a:latin typeface="Roboto Black" panose="02000000000000000000" pitchFamily="2" charset="0"/>
                 <a:ea typeface="Roboto Black" panose="02000000000000000000" pitchFamily="2" charset="0"/>
@@ -7038,7 +7188,7 @@
             <a:r>
               <a:rPr lang="fr-FR" dirty="0">
                 <a:solidFill>
-                  <a:srgbClr val="9356DC"/>
+                  <a:srgbClr val="BD75FF"/>
                 </a:solidFill>
                 <a:latin typeface="Roboto Black" panose="02000000000000000000" pitchFamily="2" charset="0"/>
                 <a:ea typeface="Roboto Black" panose="02000000000000000000" pitchFamily="2" charset="0"/>
@@ -7048,7 +7198,7 @@
             <a:r>
               <a:rPr lang="fr-FR" dirty="0" err="1">
                 <a:solidFill>
-                  <a:srgbClr val="9356DC"/>
+                  <a:srgbClr val="BD75FF"/>
                 </a:solidFill>
                 <a:latin typeface="Roboto Black" panose="02000000000000000000" pitchFamily="2" charset="0"/>
                 <a:ea typeface="Roboto Black" panose="02000000000000000000" pitchFamily="2" charset="0"/>
@@ -7058,7 +7208,7 @@
             <a:r>
               <a:rPr lang="fr-FR" dirty="0">
                 <a:solidFill>
-                  <a:srgbClr val="9356DC"/>
+                  <a:srgbClr val="BD75FF"/>
                 </a:solidFill>
                 <a:latin typeface="Roboto Black" panose="02000000000000000000" pitchFamily="2" charset="0"/>
                 <a:ea typeface="Roboto Black" panose="02000000000000000000" pitchFamily="2" charset="0"/>
@@ -7068,7 +7218,7 @@
             <a:r>
               <a:rPr lang="fr-FR" dirty="0" err="1">
                 <a:solidFill>
-                  <a:srgbClr val="9356DC"/>
+                  <a:srgbClr val="BD75FF"/>
                 </a:solidFill>
                 <a:latin typeface="Roboto Black" panose="02000000000000000000" pitchFamily="2" charset="0"/>
                 <a:ea typeface="Roboto Black" panose="02000000000000000000" pitchFamily="2" charset="0"/>
@@ -7078,7 +7228,7 @@
             <a:r>
               <a:rPr lang="fr-FR" dirty="0">
                 <a:solidFill>
-                  <a:srgbClr val="9356DC"/>
+                  <a:srgbClr val="BD75FF"/>
                 </a:solidFill>
                 <a:latin typeface="Roboto Black" panose="02000000000000000000" pitchFamily="2" charset="0"/>
                 <a:ea typeface="Roboto Black" panose="02000000000000000000" pitchFamily="2" charset="0"/>
@@ -7088,7 +7238,7 @@
             <a:r>
               <a:rPr lang="fr-FR" dirty="0" err="1">
                 <a:solidFill>
-                  <a:srgbClr val="9356DC"/>
+                  <a:srgbClr val="BD75FF"/>
                 </a:solidFill>
                 <a:latin typeface="Roboto Black" panose="02000000000000000000" pitchFamily="2" charset="0"/>
                 <a:ea typeface="Roboto Black" panose="02000000000000000000" pitchFamily="2" charset="0"/>
@@ -7098,7 +7248,7 @@
             <a:r>
               <a:rPr lang="fr-FR" dirty="0">
                 <a:solidFill>
-                  <a:srgbClr val="9356DC"/>
+                  <a:srgbClr val="BD75FF"/>
                 </a:solidFill>
                 <a:latin typeface="Roboto Black" panose="02000000000000000000" pitchFamily="2" charset="0"/>
                 <a:ea typeface="Roboto Black" panose="02000000000000000000" pitchFamily="2" charset="0"/>
@@ -7110,7 +7260,7 @@
             <a:r>
               <a:rPr lang="fr-FR" dirty="0">
                 <a:solidFill>
-                  <a:srgbClr val="9356DC"/>
+                  <a:srgbClr val="BD75FF"/>
                 </a:solidFill>
                 <a:latin typeface="Roboto Black" panose="02000000000000000000" pitchFamily="2" charset="0"/>
                 <a:ea typeface="Roboto Black" panose="02000000000000000000" pitchFamily="2" charset="0"/>
@@ -7120,7 +7270,7 @@
             <a:r>
               <a:rPr lang="fr-FR" dirty="0" err="1">
                 <a:solidFill>
-                  <a:srgbClr val="9356DC"/>
+                  <a:srgbClr val="BD75FF"/>
                 </a:solidFill>
                 <a:latin typeface="Roboto Black" panose="02000000000000000000" pitchFamily="2" charset="0"/>
                 <a:ea typeface="Roboto Black" panose="02000000000000000000" pitchFamily="2" charset="0"/>
@@ -7130,7 +7280,7 @@
             <a:r>
               <a:rPr lang="fr-FR" dirty="0">
                 <a:solidFill>
-                  <a:srgbClr val="9356DC"/>
+                  <a:srgbClr val="BD75FF"/>
                 </a:solidFill>
                 <a:latin typeface="Roboto Black" panose="02000000000000000000" pitchFamily="2" charset="0"/>
                 <a:ea typeface="Roboto Black" panose="02000000000000000000" pitchFamily="2" charset="0"/>
@@ -7140,7 +7290,7 @@
             <a:r>
               <a:rPr lang="fr-FR" dirty="0" err="1">
                 <a:solidFill>
-                  <a:srgbClr val="9356DC"/>
+                  <a:srgbClr val="BD75FF"/>
                 </a:solidFill>
                 <a:latin typeface="Roboto Black" panose="02000000000000000000" pitchFamily="2" charset="0"/>
                 <a:ea typeface="Roboto Black" panose="02000000000000000000" pitchFamily="2" charset="0"/>
@@ -7150,7 +7300,7 @@
             <a:r>
               <a:rPr lang="fr-FR" dirty="0">
                 <a:solidFill>
-                  <a:srgbClr val="9356DC"/>
+                  <a:srgbClr val="BD75FF"/>
                 </a:solidFill>
                 <a:latin typeface="Roboto Black" panose="02000000000000000000" pitchFamily="2" charset="0"/>
                 <a:ea typeface="Roboto Black" panose="02000000000000000000" pitchFamily="2" charset="0"/>
@@ -7160,22 +7310,22 @@
             <a:r>
               <a:rPr lang="fr-FR" dirty="0" err="1">
                 <a:solidFill>
-                  <a:srgbClr val="9356DC"/>
+                  <a:srgbClr val="BD75FF"/>
                 </a:solidFill>
                 <a:latin typeface="Roboto Black" panose="02000000000000000000" pitchFamily="2" charset="0"/>
                 <a:ea typeface="Roboto Black" panose="02000000000000000000" pitchFamily="2" charset="0"/>
               </a:rPr>
-              <a:t>fontawesomje</a:t>
+              <a:t>fontawesom</a:t>
             </a:r>
             <a:r>
               <a:rPr lang="fr-FR" dirty="0">
                 <a:solidFill>
-                  <a:srgbClr val="9356DC"/>
+                  <a:srgbClr val="BD75FF"/>
                 </a:solidFill>
                 <a:latin typeface="Roboto Black" panose="02000000000000000000" pitchFamily="2" charset="0"/>
                 <a:ea typeface="Roboto Black" panose="02000000000000000000" pitchFamily="2" charset="0"/>
               </a:rPr>
-              <a:t> me suis rendu compte que ce n’était pas très propre et surtout que ca ne respectait pas a l’exactitude le design du projet.</a:t>
+              <a:t> je me suis rendu compte que ce n’était pas très propre et surtout que ca ne respectait pas a l’exactitude le design du projet.</a:t>
             </a:r>
           </a:p>
           <a:p>

--- a/PrésentationProjet 3.pptx
+++ b/PrésentationProjet 3.pptx
@@ -334,7 +334,7 @@
             <a:fld id="{B61BEF0D-F0BB-DE4B-95CE-6DB70DBA9567}" type="datetimeFigureOut">
               <a:rPr lang="en-US" dirty="0"/>
               <a:pPr/>
-              <a:t>11/28/21</a:t>
+              <a:t>12/4/21</a:t>
             </a:fld>
             <a:endParaRPr lang="en-US" dirty="0"/>
           </a:p>
@@ -622,7 +622,7 @@
             <a:fld id="{B61BEF0D-F0BB-DE4B-95CE-6DB70DBA9567}" type="datetimeFigureOut">
               <a:rPr lang="en-US" dirty="0"/>
               <a:pPr/>
-              <a:t>11/28/21</a:t>
+              <a:t>12/4/21</a:t>
             </a:fld>
             <a:endParaRPr lang="en-US" dirty="0"/>
           </a:p>
@@ -878,7 +878,7 @@
             <a:fld id="{B61BEF0D-F0BB-DE4B-95CE-6DB70DBA9567}" type="datetimeFigureOut">
               <a:rPr lang="en-US" dirty="0"/>
               <a:pPr/>
-              <a:t>11/28/21</a:t>
+              <a:t>12/4/21</a:t>
             </a:fld>
             <a:endParaRPr lang="en-US" dirty="0"/>
           </a:p>
@@ -1344,7 +1344,7 @@
             <a:fld id="{B61BEF0D-F0BB-DE4B-95CE-6DB70DBA9567}" type="datetimeFigureOut">
               <a:rPr lang="en-US" dirty="0"/>
               <a:pPr/>
-              <a:t>11/28/21</a:t>
+              <a:t>12/4/21</a:t>
             </a:fld>
             <a:endParaRPr lang="en-US" dirty="0"/>
           </a:p>
@@ -1521,7 +1521,7 @@
             <a:fld id="{B61BEF0D-F0BB-DE4B-95CE-6DB70DBA9567}" type="datetimeFigureOut">
               <a:rPr lang="en-US" dirty="0"/>
               <a:pPr/>
-              <a:t>11/28/21</a:t>
+              <a:t>12/4/21</a:t>
             </a:fld>
             <a:endParaRPr lang="en-US" dirty="0"/>
           </a:p>
@@ -2094,7 +2094,7 @@
             <a:fld id="{B61BEF0D-F0BB-DE4B-95CE-6DB70DBA9567}" type="datetimeFigureOut">
               <a:rPr lang="en-US" dirty="0"/>
               <a:pPr/>
-              <a:t>11/28/21</a:t>
+              <a:t>12/4/21</a:t>
             </a:fld>
             <a:endParaRPr lang="en-US" dirty="0"/>
           </a:p>
@@ -2423,7 +2423,7 @@
             <a:fld id="{B61BEF0D-F0BB-DE4B-95CE-6DB70DBA9567}" type="datetimeFigureOut">
               <a:rPr lang="en-US" dirty="0"/>
               <a:pPr/>
-              <a:t>11/28/21</a:t>
+              <a:t>12/4/21</a:t>
             </a:fld>
             <a:endParaRPr lang="en-US" dirty="0"/>
           </a:p>
@@ -2595,7 +2595,7 @@
             <a:fld id="{B61BEF0D-F0BB-DE4B-95CE-6DB70DBA9567}" type="datetimeFigureOut">
               <a:rPr lang="en-US" dirty="0"/>
               <a:pPr/>
-              <a:t>11/28/21</a:t>
+              <a:t>12/4/21</a:t>
             </a:fld>
             <a:endParaRPr lang="en-US" dirty="0"/>
           </a:p>
@@ -2772,7 +2772,7 @@
             <a:fld id="{B61BEF0D-F0BB-DE4B-95CE-6DB70DBA9567}" type="datetimeFigureOut">
               <a:rPr lang="en-US" dirty="0"/>
               <a:pPr/>
-              <a:t>11/28/21</a:t>
+              <a:t>12/4/21</a:t>
             </a:fld>
             <a:endParaRPr lang="en-US" dirty="0"/>
           </a:p>
@@ -2939,7 +2939,7 @@
             <a:fld id="{B61BEF0D-F0BB-DE4B-95CE-6DB70DBA9567}" type="datetimeFigureOut">
               <a:rPr lang="en-US" dirty="0"/>
               <a:pPr/>
-              <a:t>11/28/21</a:t>
+              <a:t>12/4/21</a:t>
             </a:fld>
             <a:endParaRPr lang="en-US" dirty="0"/>
           </a:p>
@@ -3193,7 +3193,7 @@
             <a:fld id="{B61BEF0D-F0BB-DE4B-95CE-6DB70DBA9567}" type="datetimeFigureOut">
               <a:rPr lang="en-US" dirty="0"/>
               <a:pPr/>
-              <a:t>11/28/21</a:t>
+              <a:t>12/4/21</a:t>
             </a:fld>
             <a:endParaRPr lang="en-US" dirty="0"/>
           </a:p>
@@ -3482,7 +3482,7 @@
             <a:fld id="{B61BEF0D-F0BB-DE4B-95CE-6DB70DBA9567}" type="datetimeFigureOut">
               <a:rPr lang="en-US" dirty="0"/>
               <a:pPr/>
-              <a:t>11/28/21</a:t>
+              <a:t>12/4/21</a:t>
             </a:fld>
             <a:endParaRPr lang="en-US" dirty="0"/>
           </a:p>
@@ -3909,7 +3909,7 @@
             <a:fld id="{B61BEF0D-F0BB-DE4B-95CE-6DB70DBA9567}" type="datetimeFigureOut">
               <a:rPr lang="en-US" dirty="0"/>
               <a:pPr/>
-              <a:t>11/28/21</a:t>
+              <a:t>12/4/21</a:t>
             </a:fld>
             <a:endParaRPr lang="en-US" dirty="0"/>
           </a:p>
@@ -4024,7 +4024,7 @@
             <a:fld id="{B61BEF0D-F0BB-DE4B-95CE-6DB70DBA9567}" type="datetimeFigureOut">
               <a:rPr lang="en-US" dirty="0"/>
               <a:pPr/>
-              <a:t>11/28/21</a:t>
+              <a:t>12/4/21</a:t>
             </a:fld>
             <a:endParaRPr lang="en-US" dirty="0"/>
           </a:p>
@@ -4116,7 +4116,7 @@
             <a:fld id="{B61BEF0D-F0BB-DE4B-95CE-6DB70DBA9567}" type="datetimeFigureOut">
               <a:rPr lang="en-US" dirty="0"/>
               <a:pPr/>
-              <a:t>11/28/21</a:t>
+              <a:t>12/4/21</a:t>
             </a:fld>
             <a:endParaRPr lang="en-US" dirty="0"/>
           </a:p>
@@ -4396,7 +4396,7 @@
             <a:fld id="{B61BEF0D-F0BB-DE4B-95CE-6DB70DBA9567}" type="datetimeFigureOut">
               <a:rPr lang="en-US" dirty="0"/>
               <a:pPr/>
-              <a:t>11/28/21</a:t>
+              <a:t>12/4/21</a:t>
             </a:fld>
             <a:endParaRPr lang="en-US" dirty="0"/>
           </a:p>
@@ -4684,7 +4684,7 @@
             <a:fld id="{B61BEF0D-F0BB-DE4B-95CE-6DB70DBA9567}" type="datetimeFigureOut">
               <a:rPr lang="en-US" dirty="0"/>
               <a:pPr/>
-              <a:t>11/28/21</a:t>
+              <a:t>12/4/21</a:t>
             </a:fld>
             <a:endParaRPr lang="en-US" dirty="0"/>
           </a:p>
@@ -4912,7 +4912,7 @@
             <a:fld id="{B61BEF0D-F0BB-DE4B-95CE-6DB70DBA9567}" type="datetimeFigureOut">
               <a:rPr lang="en-US" dirty="0"/>
               <a:pPr/>
-              <a:t>11/28/21</a:t>
+              <a:t>12/4/21</a:t>
             </a:fld>
             <a:endParaRPr lang="en-US" dirty="0"/>
           </a:p>
@@ -5989,7 +5989,7 @@
                 <a:latin typeface="Roboto Black" panose="02000000000000000000" pitchFamily="2" charset="0"/>
                 <a:ea typeface="Roboto Black" panose="02000000000000000000" pitchFamily="2" charset="0"/>
               </a:rPr>
-              <a:t>Vous venez d’être recruté chez </a:t>
+              <a:t>Je viens d’être recruté chez </a:t>
             </a:r>
             <a:r>
               <a:rPr lang="fr-FR" dirty="0" err="1">
@@ -6027,7 +6027,7 @@
                 <a:latin typeface="Roboto Black" panose="02000000000000000000" pitchFamily="2" charset="0"/>
                 <a:ea typeface="Roboto Black" panose="02000000000000000000" pitchFamily="2" charset="0"/>
               </a:rPr>
-              <a:t> </a:t>
+              <a:t>Je travaille sur la </a:t>
             </a:r>
             <a:r>
               <a:rPr lang="fr-FR" dirty="0" err="1">
@@ -6038,7 +6038,7 @@
                 <a:latin typeface="Roboto Black" panose="02000000000000000000" pitchFamily="2" charset="0"/>
                 <a:ea typeface="Roboto Black" panose="02000000000000000000" pitchFamily="2" charset="0"/>
               </a:rPr>
-              <a:t>Ohmyfood</a:t>
+              <a:t>premiere</a:t>
             </a:r>
             <a:r>
               <a:rPr lang="fr-FR" dirty="0">
@@ -6049,10 +6049,65 @@
                 <a:latin typeface="Roboto Black" panose="02000000000000000000" pitchFamily="2" charset="0"/>
                 <a:ea typeface="Roboto Black" panose="02000000000000000000" pitchFamily="2" charset="0"/>
               </a:rPr>
-              <a:t> est une jeune startup qui voudrait s'imposer sur le marché de la restauration. L'objectif est de développer un site 100% mobile qui répertorie les menus de restaurants gastronomiques. En plus des systèmes classiques de réservation, les clients pourront composer le menu de leur repas pour que les plats soient prêts à leur arrivée. Finis, les temps d'attente au restaurant !</a:t>
-            </a:r>
-          </a:p>
-          <a:p>
+              <a:t> version de l’</a:t>
+            </a:r>
+            <a:r>
+              <a:rPr lang="fr-FR" dirty="0" err="1">
+                <a:solidFill>
+                  <a:srgbClr val="BD75FF"/>
+                </a:solidFill>
+                <a:effectLst/>
+                <a:latin typeface="Roboto Black" panose="02000000000000000000" pitchFamily="2" charset="0"/>
+                <a:ea typeface="Roboto Black" panose="02000000000000000000" pitchFamily="2" charset="0"/>
+              </a:rPr>
+              <a:t>integration</a:t>
+            </a:r>
+            <a:r>
+              <a:rPr lang="fr-FR" dirty="0">
+                <a:solidFill>
+                  <a:srgbClr val="BD75FF"/>
+                </a:solidFill>
+                <a:effectLst/>
+                <a:latin typeface="Roboto Black" panose="02000000000000000000" pitchFamily="2" charset="0"/>
+                <a:ea typeface="Roboto Black" panose="02000000000000000000" pitchFamily="2" charset="0"/>
+              </a:rPr>
+              <a:t> de la maquette du site en mobile first suite a </a:t>
+            </a:r>
+            <a:r>
+              <a:rPr lang="fr-FR">
+                <a:solidFill>
+                  <a:srgbClr val="BD75FF"/>
+                </a:solidFill>
+                <a:effectLst/>
+                <a:latin typeface="Roboto Black" panose="02000000000000000000" pitchFamily="2" charset="0"/>
+                <a:ea typeface="Roboto Black" panose="02000000000000000000" pitchFamily="2" charset="0"/>
+              </a:rPr>
+              <a:t>notre briefing.</a:t>
+            </a:r>
+            <a:endParaRPr lang="fr-FR" dirty="0">
+              <a:solidFill>
+                <a:srgbClr val="BD75FF"/>
+              </a:solidFill>
+              <a:effectLst/>
+              <a:latin typeface="Roboto Black" panose="02000000000000000000" pitchFamily="2" charset="0"/>
+              <a:ea typeface="Roboto Black" panose="02000000000000000000" pitchFamily="2" charset="0"/>
+            </a:endParaRPr>
+          </a:p>
+          <a:p>
+            <a:pPr marL="0" indent="0">
+              <a:buNone/>
+            </a:pPr>
+            <a:r>
+              <a:rPr lang="fr-FR" dirty="0">
+                <a:solidFill>
+                  <a:srgbClr val="BD75FF"/>
+                </a:solidFill>
+                <a:effectLst/>
+                <a:latin typeface="Roboto Black" panose="02000000000000000000" pitchFamily="2" charset="0"/>
+                <a:ea typeface="Roboto Black" panose="02000000000000000000" pitchFamily="2" charset="0"/>
+              </a:rPr>
+              <a:t> </a:t>
+            </a:r>
             <a:endParaRPr lang="fr-FR" dirty="0"/>
           </a:p>
         </p:txBody>

--- a/PrésentationProjet 3.pptx
+++ b/PrésentationProjet 3.pptx
@@ -6071,7 +6071,29 @@
                 <a:latin typeface="Roboto Black" panose="02000000000000000000" pitchFamily="2" charset="0"/>
                 <a:ea typeface="Roboto Black" panose="02000000000000000000" pitchFamily="2" charset="0"/>
               </a:rPr>
-              <a:t> de la maquette du site en mobile first suite a </a:t>
+              <a:t> de la maquette du site proposer </a:t>
+            </a:r>
+            <a:r>
+              <a:rPr lang="fr-FR">
+                <a:solidFill>
+                  <a:srgbClr val="BD75FF"/>
+                </a:solidFill>
+                <a:effectLst/>
+                <a:latin typeface="Roboto Black" panose="02000000000000000000" pitchFamily="2" charset="0"/>
+                <a:ea typeface="Roboto Black" panose="02000000000000000000" pitchFamily="2" charset="0"/>
+              </a:rPr>
+              <a:t>par fanny </a:t>
+            </a:r>
+            <a:r>
+              <a:rPr lang="fr-FR" dirty="0">
+                <a:solidFill>
+                  <a:srgbClr val="BD75FF"/>
+                </a:solidFill>
+                <a:effectLst/>
+                <a:latin typeface="Roboto Black" panose="02000000000000000000" pitchFamily="2" charset="0"/>
+                <a:ea typeface="Roboto Black" panose="02000000000000000000" pitchFamily="2" charset="0"/>
+              </a:rPr>
+              <a:t>en mobile first suite a </a:t>
             </a:r>
             <a:r>
               <a:rPr lang="fr-FR">

--- a/PrésentationProjet 3.pptx
+++ b/PrésentationProjet 3.pptx
@@ -334,7 +334,7 @@
             <a:fld id="{B61BEF0D-F0BB-DE4B-95CE-6DB70DBA9567}" type="datetimeFigureOut">
               <a:rPr lang="en-US" dirty="0"/>
               <a:pPr/>
-              <a:t>12/4/21</a:t>
+              <a:t>12/10/21</a:t>
             </a:fld>
             <a:endParaRPr lang="en-US" dirty="0"/>
           </a:p>
@@ -622,7 +622,7 @@
             <a:fld id="{B61BEF0D-F0BB-DE4B-95CE-6DB70DBA9567}" type="datetimeFigureOut">
               <a:rPr lang="en-US" dirty="0"/>
               <a:pPr/>
-              <a:t>12/4/21</a:t>
+              <a:t>12/10/21</a:t>
             </a:fld>
             <a:endParaRPr lang="en-US" dirty="0"/>
           </a:p>
@@ -878,7 +878,7 @@
             <a:fld id="{B61BEF0D-F0BB-DE4B-95CE-6DB70DBA9567}" type="datetimeFigureOut">
               <a:rPr lang="en-US" dirty="0"/>
               <a:pPr/>
-              <a:t>12/4/21</a:t>
+              <a:t>12/10/21</a:t>
             </a:fld>
             <a:endParaRPr lang="en-US" dirty="0"/>
           </a:p>
@@ -1344,7 +1344,7 @@
             <a:fld id="{B61BEF0D-F0BB-DE4B-95CE-6DB70DBA9567}" type="datetimeFigureOut">
               <a:rPr lang="en-US" dirty="0"/>
               <a:pPr/>
-              <a:t>12/4/21</a:t>
+              <a:t>12/10/21</a:t>
             </a:fld>
             <a:endParaRPr lang="en-US" dirty="0"/>
           </a:p>
@@ -1521,7 +1521,7 @@
             <a:fld id="{B61BEF0D-F0BB-DE4B-95CE-6DB70DBA9567}" type="datetimeFigureOut">
               <a:rPr lang="en-US" dirty="0"/>
               <a:pPr/>
-              <a:t>12/4/21</a:t>
+              <a:t>12/10/21</a:t>
             </a:fld>
             <a:endParaRPr lang="en-US" dirty="0"/>
           </a:p>
@@ -2094,7 +2094,7 @@
             <a:fld id="{B61BEF0D-F0BB-DE4B-95CE-6DB70DBA9567}" type="datetimeFigureOut">
               <a:rPr lang="en-US" dirty="0"/>
               <a:pPr/>
-              <a:t>12/4/21</a:t>
+              <a:t>12/10/21</a:t>
             </a:fld>
             <a:endParaRPr lang="en-US" dirty="0"/>
           </a:p>
@@ -2423,7 +2423,7 @@
             <a:fld id="{B61BEF0D-F0BB-DE4B-95CE-6DB70DBA9567}" type="datetimeFigureOut">
               <a:rPr lang="en-US" dirty="0"/>
               <a:pPr/>
-              <a:t>12/4/21</a:t>
+              <a:t>12/10/21</a:t>
             </a:fld>
             <a:endParaRPr lang="en-US" dirty="0"/>
           </a:p>
@@ -2595,7 +2595,7 @@
             <a:fld id="{B61BEF0D-F0BB-DE4B-95CE-6DB70DBA9567}" type="datetimeFigureOut">
               <a:rPr lang="en-US" dirty="0"/>
               <a:pPr/>
-              <a:t>12/4/21</a:t>
+              <a:t>12/10/21</a:t>
             </a:fld>
             <a:endParaRPr lang="en-US" dirty="0"/>
           </a:p>
@@ -2772,7 +2772,7 @@
             <a:fld id="{B61BEF0D-F0BB-DE4B-95CE-6DB70DBA9567}" type="datetimeFigureOut">
               <a:rPr lang="en-US" dirty="0"/>
               <a:pPr/>
-              <a:t>12/4/21</a:t>
+              <a:t>12/10/21</a:t>
             </a:fld>
             <a:endParaRPr lang="en-US" dirty="0"/>
           </a:p>
@@ -2939,7 +2939,7 @@
             <a:fld id="{B61BEF0D-F0BB-DE4B-95CE-6DB70DBA9567}" type="datetimeFigureOut">
               <a:rPr lang="en-US" dirty="0"/>
               <a:pPr/>
-              <a:t>12/4/21</a:t>
+              <a:t>12/10/21</a:t>
             </a:fld>
             <a:endParaRPr lang="en-US" dirty="0"/>
           </a:p>
@@ -3193,7 +3193,7 @@
             <a:fld id="{B61BEF0D-F0BB-DE4B-95CE-6DB70DBA9567}" type="datetimeFigureOut">
               <a:rPr lang="en-US" dirty="0"/>
               <a:pPr/>
-              <a:t>12/4/21</a:t>
+              <a:t>12/10/21</a:t>
             </a:fld>
             <a:endParaRPr lang="en-US" dirty="0"/>
           </a:p>
@@ -3482,7 +3482,7 @@
             <a:fld id="{B61BEF0D-F0BB-DE4B-95CE-6DB70DBA9567}" type="datetimeFigureOut">
               <a:rPr lang="en-US" dirty="0"/>
               <a:pPr/>
-              <a:t>12/4/21</a:t>
+              <a:t>12/10/21</a:t>
             </a:fld>
             <a:endParaRPr lang="en-US" dirty="0"/>
           </a:p>
@@ -3909,7 +3909,7 @@
             <a:fld id="{B61BEF0D-F0BB-DE4B-95CE-6DB70DBA9567}" type="datetimeFigureOut">
               <a:rPr lang="en-US" dirty="0"/>
               <a:pPr/>
-              <a:t>12/4/21</a:t>
+              <a:t>12/10/21</a:t>
             </a:fld>
             <a:endParaRPr lang="en-US" dirty="0"/>
           </a:p>
@@ -4024,7 +4024,7 @@
             <a:fld id="{B61BEF0D-F0BB-DE4B-95CE-6DB70DBA9567}" type="datetimeFigureOut">
               <a:rPr lang="en-US" dirty="0"/>
               <a:pPr/>
-              <a:t>12/4/21</a:t>
+              <a:t>12/10/21</a:t>
             </a:fld>
             <a:endParaRPr lang="en-US" dirty="0"/>
           </a:p>
@@ -4116,7 +4116,7 @@
             <a:fld id="{B61BEF0D-F0BB-DE4B-95CE-6DB70DBA9567}" type="datetimeFigureOut">
               <a:rPr lang="en-US" dirty="0"/>
               <a:pPr/>
-              <a:t>12/4/21</a:t>
+              <a:t>12/10/21</a:t>
             </a:fld>
             <a:endParaRPr lang="en-US" dirty="0"/>
           </a:p>
@@ -4396,7 +4396,7 @@
             <a:fld id="{B61BEF0D-F0BB-DE4B-95CE-6DB70DBA9567}" type="datetimeFigureOut">
               <a:rPr lang="en-US" dirty="0"/>
               <a:pPr/>
-              <a:t>12/4/21</a:t>
+              <a:t>12/10/21</a:t>
             </a:fld>
             <a:endParaRPr lang="en-US" dirty="0"/>
           </a:p>
@@ -4684,7 +4684,7 @@
             <a:fld id="{B61BEF0D-F0BB-DE4B-95CE-6DB70DBA9567}" type="datetimeFigureOut">
               <a:rPr lang="en-US" dirty="0"/>
               <a:pPr/>
-              <a:t>12/4/21</a:t>
+              <a:t>12/10/21</a:t>
             </a:fld>
             <a:endParaRPr lang="en-US" dirty="0"/>
           </a:p>
@@ -4912,7 +4912,7 @@
             <a:fld id="{B61BEF0D-F0BB-DE4B-95CE-6DB70DBA9567}" type="datetimeFigureOut">
               <a:rPr lang="en-US" dirty="0"/>
               <a:pPr/>
-              <a:t>12/4/21</a:t>
+              <a:t>12/10/21</a:t>
             </a:fld>
             <a:endParaRPr lang="en-US" dirty="0"/>
           </a:p>
@@ -6071,10 +6071,15 @@
                 <a:latin typeface="Roboto Black" panose="02000000000000000000" pitchFamily="2" charset="0"/>
                 <a:ea typeface="Roboto Black" panose="02000000000000000000" pitchFamily="2" charset="0"/>
               </a:rPr>
-              <a:t> de la maquette du site proposer </a:t>
-            </a:r>
-            <a:r>
-              <a:rPr lang="fr-FR">
+              <a:t> de la maquette du site proposer par fanny en mobile first suite a notre briefing.</a:t>
+            </a:r>
+          </a:p>
+          <a:p>
+            <a:pPr marL="0" indent="0">
+              <a:buNone/>
+            </a:pPr>
+            <a:r>
+              <a:rPr lang="fr-FR" dirty="0">
                 <a:solidFill>
                   <a:srgbClr val="BD75FF"/>
                 </a:solidFill>
@@ -6082,10 +6087,10 @@
                 <a:latin typeface="Roboto Black" panose="02000000000000000000" pitchFamily="2" charset="0"/>
                 <a:ea typeface="Roboto Black" panose="02000000000000000000" pitchFamily="2" charset="0"/>
               </a:rPr>
-              <a:t>par fanny </a:t>
-            </a:r>
-            <a:r>
-              <a:rPr lang="fr-FR" dirty="0">
+              <a:t>J’ai choisit pour ce projet d’utiliser le </a:t>
+            </a:r>
+            <a:r>
+              <a:rPr lang="fr-FR" dirty="0" err="1">
                 <a:solidFill>
                   <a:srgbClr val="BD75FF"/>
                 </a:solidFill>
@@ -6093,10 +6098,10 @@
                 <a:latin typeface="Roboto Black" panose="02000000000000000000" pitchFamily="2" charset="0"/>
                 <a:ea typeface="Roboto Black" panose="02000000000000000000" pitchFamily="2" charset="0"/>
               </a:rPr>
-              <a:t>en mobile first suite a </a:t>
-            </a:r>
-            <a:r>
-              <a:rPr lang="fr-FR">
+              <a:t>preprocesseur</a:t>
+            </a:r>
+            <a:r>
+              <a:rPr lang="fr-FR" dirty="0">
                 <a:solidFill>
                   <a:srgbClr val="BD75FF"/>
                 </a:solidFill>
@@ -6104,7 +6109,18 @@
                 <a:latin typeface="Roboto Black" panose="02000000000000000000" pitchFamily="2" charset="0"/>
                 <a:ea typeface="Roboto Black" panose="02000000000000000000" pitchFamily="2" charset="0"/>
               </a:rPr>
-              <a:t>notre briefing.</a:t>
+              <a:t> SASS ou SCSS.  Pour un code plus logique, plus DRY, plus maintenable et </a:t>
+            </a:r>
+            <a:r>
+              <a:rPr lang="fr-FR">
+                <a:solidFill>
+                  <a:srgbClr val="BD75FF"/>
+                </a:solidFill>
+                <a:effectLst/>
+                <a:latin typeface="Roboto Black" panose="02000000000000000000" pitchFamily="2" charset="0"/>
+                <a:ea typeface="Roboto Black" panose="02000000000000000000" pitchFamily="2" charset="0"/>
+              </a:rPr>
+              <a:t>plus propre.</a:t>
             </a:r>
             <a:endParaRPr lang="fr-FR" dirty="0">
               <a:solidFill>
